--- a/MiniJavaCompiler.pptx
+++ b/MiniJavaCompiler.pptx
@@ -1,22 +1,22 @@
 
 <file path=ppt/presentation.xml><?xml version="1.0" encoding="utf-8"?>
-<p:presentation xmlns:a="http://schemas.openxmlformats.org/drawingml/2006/main" xmlns:r="http://schemas.openxmlformats.org/officeDocument/2006/relationships" xmlns:p="http://schemas.openxmlformats.org/presentationml/2006/main" saveSubsetFonts="1">
+<p:presentation xmlns:a="http://schemas.openxmlformats.org/drawingml/2006/main" xmlns:r="http://schemas.openxmlformats.org/officeDocument/2006/relationships" xmlns:p="http://schemas.openxmlformats.org/presentationml/2006/main">
   <p:sldMasterIdLst>
     <p:sldMasterId id="2147483648" r:id="rId1"/>
   </p:sldMasterIdLst>
   <p:notesMasterIdLst>
-    <p:notesMasterId r:id="rId11"/>
+    <p:notesMasterId r:id="rId4"/>
   </p:notesMasterIdLst>
   <p:sldIdLst>
-    <p:sldId id="256" r:id="rId2"/>
-    <p:sldId id="257" r:id="rId3"/>
-    <p:sldId id="258" r:id="rId4"/>
-    <p:sldId id="259" r:id="rId5"/>
-    <p:sldId id="260" r:id="rId6"/>
-    <p:sldId id="261" r:id="rId7"/>
-    <p:sldId id="262" r:id="rId8"/>
-    <p:sldId id="263" r:id="rId9"/>
-    <p:sldId id="264" r:id="rId10"/>
+    <p:sldId id="256" r:id="rId3"/>
+    <p:sldId id="257" r:id="rId5"/>
+    <p:sldId id="258" r:id="rId6"/>
+    <p:sldId id="259" r:id="rId7"/>
+    <p:sldId id="260" r:id="rId8"/>
+    <p:sldId id="261" r:id="rId9"/>
+    <p:sldId id="262" r:id="rId10"/>
+    <p:sldId id="263" r:id="rId11"/>
+    <p:sldId id="264" r:id="rId12"/>
   </p:sldIdLst>
   <p:sldSz cx="12192000" cy="6858000"/>
   <p:notesSz cx="6858000" cy="9144000"/>
@@ -200,7 +200,6 @@
           <a:p>
             <a:fld id="{D1CDD732-0631-4455-8741-49839FCDCE7E}" type="datetimeFigureOut">
               <a:rPr lang="zh-CN" altLang="en-US" smtClean="0"/>
-              <a:t>2018/12/24</a:t>
             </a:fld>
             <a:endParaRPr lang="zh-CN" altLang="en-US"/>
           </a:p>
@@ -267,6 +266,7 @@
               <a:rPr lang="zh-CN" altLang="en-US"/>
               <a:t>编辑母版文本样式</a:t>
             </a:r>
+            <a:endParaRPr lang="zh-CN" altLang="en-US"/>
           </a:p>
           <a:p>
             <a:pPr lvl="1"/>
@@ -274,6 +274,7 @@
               <a:rPr lang="zh-CN" altLang="en-US"/>
               <a:t>第二级</a:t>
             </a:r>
+            <a:endParaRPr lang="zh-CN" altLang="en-US"/>
           </a:p>
           <a:p>
             <a:pPr lvl="2"/>
@@ -281,6 +282,7 @@
               <a:rPr lang="zh-CN" altLang="en-US"/>
               <a:t>第三级</a:t>
             </a:r>
+            <a:endParaRPr lang="zh-CN" altLang="en-US"/>
           </a:p>
           <a:p>
             <a:pPr lvl="3"/>
@@ -288,6 +290,7 @@
               <a:rPr lang="zh-CN" altLang="en-US"/>
               <a:t>第四级</a:t>
             </a:r>
+            <a:endParaRPr lang="zh-CN" altLang="en-US"/>
           </a:p>
           <a:p>
             <a:pPr lvl="4"/>
@@ -295,6 +298,7 @@
               <a:rPr lang="zh-CN" altLang="en-US"/>
               <a:t>第五级</a:t>
             </a:r>
+            <a:endParaRPr lang="zh-CN" altLang="en-US"/>
           </a:p>
         </p:txBody>
       </p:sp>
@@ -358,18 +362,12 @@
           <a:p>
             <a:fld id="{CC6C60B5-FB25-4982-AA35-75039DF68D0B}" type="slidenum">
               <a:rPr lang="zh-CN" altLang="en-US" smtClean="0"/>
-              <a:t>‹#›</a:t>
             </a:fld>
             <a:endParaRPr lang="zh-CN" altLang="en-US"/>
           </a:p>
         </p:txBody>
       </p:sp>
     </p:spTree>
-    <p:extLst>
-      <p:ext uri="{BB962C8B-B14F-4D97-AF65-F5344CB8AC3E}">
-        <p14:creationId xmlns:p14="http://schemas.microsoft.com/office/powerpoint/2010/main" val="1613397313"/>
-      </p:ext>
-    </p:extLst>
   </p:cSld>
   <p:clrMap bg1="lt1" tx1="dk1" bg2="lt2" tx2="dk2" accent1="accent1" accent2="accent2" accent3="accent3" accent4="accent4" accent5="accent5" accent6="accent6" hlink="hlink" folHlink="folHlink"/>
   <p:notesStyle>
@@ -523,6 +521,7 @@
               <a:rPr lang="zh-CN" altLang="en-US" dirty="0"/>
               <a:t>大部分内容可以一笔带过</a:t>
             </a:r>
+            <a:endParaRPr lang="zh-CN" altLang="en-US" dirty="0"/>
           </a:p>
         </p:txBody>
       </p:sp>
@@ -543,18 +542,12 @@
           <a:p>
             <a:fld id="{CC6C60B5-FB25-4982-AA35-75039DF68D0B}" type="slidenum">
               <a:rPr lang="zh-CN" altLang="en-US" smtClean="0"/>
-              <a:t>1</a:t>
             </a:fld>
             <a:endParaRPr lang="zh-CN" altLang="en-US"/>
           </a:p>
         </p:txBody>
       </p:sp>
     </p:spTree>
-    <p:extLst>
-      <p:ext uri="{BB962C8B-B14F-4D97-AF65-F5344CB8AC3E}">
-        <p14:creationId xmlns:p14="http://schemas.microsoft.com/office/powerpoint/2010/main" val="1283851557"/>
-      </p:ext>
-    </p:extLst>
   </p:cSld>
   <p:clrMapOvr>
     <a:masterClrMapping/>
@@ -667,18 +660,12 @@
           <a:p>
             <a:fld id="{CC6C60B5-FB25-4982-AA35-75039DF68D0B}" type="slidenum">
               <a:rPr lang="zh-CN" altLang="en-US" smtClean="0"/>
-              <a:t>2</a:t>
             </a:fld>
             <a:endParaRPr lang="zh-CN" altLang="en-US"/>
           </a:p>
         </p:txBody>
       </p:sp>
     </p:spTree>
-    <p:extLst>
-      <p:ext uri="{BB962C8B-B14F-4D97-AF65-F5344CB8AC3E}">
-        <p14:creationId xmlns:p14="http://schemas.microsoft.com/office/powerpoint/2010/main" val="3514377925"/>
-      </p:ext>
-    </p:extLst>
   </p:cSld>
   <p:clrMapOvr>
     <a:masterClrMapping/>
@@ -744,7 +731,6 @@
               <a:buSzTx/>
               <a:buFontTx/>
               <a:buNone/>
-              <a:tabLst/>
               <a:defRPr/>
             </a:pPr>
             <a:r>
@@ -791,6 +777,7 @@
               <a:rPr lang="en-US" altLang="zh-CN" dirty="0"/>
               <a:t>”</a:t>
             </a:r>
+            <a:endParaRPr lang="en-US" altLang="zh-CN" dirty="0"/>
           </a:p>
           <a:p>
             <a:pPr marL="0" marR="0" lvl="0" indent="0" algn="l" defTabSz="914400" rtl="0" eaLnBrk="1" fontAlgn="auto" latinLnBrk="0" hangingPunct="1">
@@ -807,7 +794,6 @@
               <a:buSzTx/>
               <a:buFontTx/>
               <a:buNone/>
-              <a:tabLst/>
               <a:defRPr/>
             </a:pPr>
             <a:endParaRPr lang="en-US" altLang="zh-CN" dirty="0"/>
@@ -834,18 +820,12 @@
           <a:p>
             <a:fld id="{CC6C60B5-FB25-4982-AA35-75039DF68D0B}" type="slidenum">
               <a:rPr lang="zh-CN" altLang="en-US" smtClean="0"/>
-              <a:t>3</a:t>
             </a:fld>
             <a:endParaRPr lang="zh-CN" altLang="en-US"/>
           </a:p>
         </p:txBody>
       </p:sp>
     </p:spTree>
-    <p:extLst>
-      <p:ext uri="{BB962C8B-B14F-4D97-AF65-F5344CB8AC3E}">
-        <p14:creationId xmlns:p14="http://schemas.microsoft.com/office/powerpoint/2010/main" val="1776967361"/>
-      </p:ext>
-    </p:extLst>
   </p:cSld>
   <p:clrMapOvr>
     <a:masterClrMapping/>
@@ -918,18 +898,12 @@
           <a:p>
             <a:fld id="{CC6C60B5-FB25-4982-AA35-75039DF68D0B}" type="slidenum">
               <a:rPr lang="zh-CN" altLang="en-US" smtClean="0"/>
-              <a:t>5</a:t>
             </a:fld>
             <a:endParaRPr lang="zh-CN" altLang="en-US"/>
           </a:p>
         </p:txBody>
       </p:sp>
     </p:spTree>
-    <p:extLst>
-      <p:ext uri="{BB962C8B-B14F-4D97-AF65-F5344CB8AC3E}">
-        <p14:creationId xmlns:p14="http://schemas.microsoft.com/office/powerpoint/2010/main" val="1874060696"/>
-      </p:ext>
-    </p:extLst>
   </p:cSld>
   <p:clrMapOvr>
     <a:masterClrMapping/>
@@ -995,7 +969,6 @@
               <a:buSzTx/>
               <a:buFontTx/>
               <a:buNone/>
-              <a:tabLst/>
               <a:defRPr/>
             </a:pPr>
             <a:r>
@@ -1074,18 +1047,12 @@
           <a:p>
             <a:fld id="{CC6C60B5-FB25-4982-AA35-75039DF68D0B}" type="slidenum">
               <a:rPr lang="zh-CN" altLang="en-US" smtClean="0"/>
-              <a:t>6</a:t>
             </a:fld>
             <a:endParaRPr lang="zh-CN" altLang="en-US"/>
           </a:p>
         </p:txBody>
       </p:sp>
     </p:spTree>
-    <p:extLst>
-      <p:ext uri="{BB962C8B-B14F-4D97-AF65-F5344CB8AC3E}">
-        <p14:creationId xmlns:p14="http://schemas.microsoft.com/office/powerpoint/2010/main" val="2483287506"/>
-      </p:ext>
-    </p:extLst>
   </p:cSld>
   <p:clrMapOvr>
     <a:masterClrMapping/>
@@ -1112,13 +1079,7 @@
       </p:grpSpPr>
       <p:sp>
         <p:nvSpPr>
-          <p:cNvPr id="2" name="标题 1">
-            <a:extLst>
-              <a:ext uri="{FF2B5EF4-FFF2-40B4-BE49-F238E27FC236}">
-                <a16:creationId xmlns:a16="http://schemas.microsoft.com/office/drawing/2014/main" id="{4650748E-E9D2-4BF7-A3D7-C0A735164129}"/>
-              </a:ext>
-            </a:extLst>
-          </p:cNvPr>
+          <p:cNvPr id="2" name="标题 1"/>
           <p:cNvSpPr>
             <a:spLocks noGrp="1"/>
           </p:cNvSpPr>
@@ -1147,18 +1108,13 @@
               <a:rPr lang="zh-CN" altLang="en-US"/>
               <a:t>单击此处编辑母版标题样式</a:t>
             </a:r>
-          </a:p>
-        </p:txBody>
-      </p:sp>
-      <p:sp>
-        <p:nvSpPr>
-          <p:cNvPr id="3" name="副标题 2">
-            <a:extLst>
-              <a:ext uri="{FF2B5EF4-FFF2-40B4-BE49-F238E27FC236}">
-                <a16:creationId xmlns:a16="http://schemas.microsoft.com/office/drawing/2014/main" id="{33F83F74-3E4E-46B0-96CD-93122ABDB619}"/>
-              </a:ext>
-            </a:extLst>
-          </p:cNvPr>
+            <a:endParaRPr lang="zh-CN" altLang="en-US"/>
+          </a:p>
+        </p:txBody>
+      </p:sp>
+      <p:sp>
+        <p:nvSpPr>
+          <p:cNvPr id="3" name="副标题 2"/>
           <p:cNvSpPr>
             <a:spLocks noGrp="1"/>
           </p:cNvSpPr>
@@ -1220,18 +1176,13 @@
               <a:rPr lang="zh-CN" altLang="en-US"/>
               <a:t>单击此处编辑母版副标题样式</a:t>
             </a:r>
-          </a:p>
-        </p:txBody>
-      </p:sp>
-      <p:sp>
-        <p:nvSpPr>
-          <p:cNvPr id="4" name="日期占位符 3">
-            <a:extLst>
-              <a:ext uri="{FF2B5EF4-FFF2-40B4-BE49-F238E27FC236}">
-                <a16:creationId xmlns:a16="http://schemas.microsoft.com/office/drawing/2014/main" id="{C8CBEA5F-FDEA-4CEF-BECB-0A68620AA9C8}"/>
-              </a:ext>
-            </a:extLst>
-          </p:cNvPr>
+            <a:endParaRPr lang="zh-CN" altLang="en-US"/>
+          </a:p>
+        </p:txBody>
+      </p:sp>
+      <p:sp>
+        <p:nvSpPr>
+          <p:cNvPr id="4" name="日期占位符 3"/>
           <p:cNvSpPr>
             <a:spLocks noGrp="1"/>
           </p:cNvSpPr>
@@ -1254,7 +1205,6 @@
           <a:p>
             <a:fld id="{BF3496DB-E7C4-4EEF-B904-C90B99E75DD6}" type="datetimeFigureOut">
               <a:rPr lang="zh-CN" altLang="en-US" smtClean="0"/>
-              <a:t>2018/12/24</a:t>
             </a:fld>
             <a:endParaRPr lang="zh-CN" altLang="en-US"/>
           </a:p>
@@ -1262,13 +1212,7 @@
       </p:sp>
       <p:sp>
         <p:nvSpPr>
-          <p:cNvPr id="5" name="页脚占位符 4">
-            <a:extLst>
-              <a:ext uri="{FF2B5EF4-FFF2-40B4-BE49-F238E27FC236}">
-                <a16:creationId xmlns:a16="http://schemas.microsoft.com/office/drawing/2014/main" id="{CC7435FD-BB7A-4CB8-98EB-962C4F846278}"/>
-              </a:ext>
-            </a:extLst>
-          </p:cNvPr>
+          <p:cNvPr id="5" name="页脚占位符 4"/>
           <p:cNvSpPr>
             <a:spLocks noGrp="1"/>
           </p:cNvSpPr>
@@ -1295,13 +1239,7 @@
       </p:sp>
       <p:sp>
         <p:nvSpPr>
-          <p:cNvPr id="6" name="灯片编号占位符 5">
-            <a:extLst>
-              <a:ext uri="{FF2B5EF4-FFF2-40B4-BE49-F238E27FC236}">
-                <a16:creationId xmlns:a16="http://schemas.microsoft.com/office/drawing/2014/main" id="{1F992647-E0B4-4781-808C-B32A020FDAFD}"/>
-              </a:ext>
-            </a:extLst>
-          </p:cNvPr>
+          <p:cNvPr id="6" name="灯片编号占位符 5"/>
           <p:cNvSpPr>
             <a:spLocks noGrp="1"/>
           </p:cNvSpPr>
@@ -1324,18 +1262,12 @@
           <a:p>
             <a:fld id="{4CC34563-4A4A-44F2-908C-1BAA27668584}" type="slidenum">
               <a:rPr lang="zh-CN" altLang="en-US" smtClean="0"/>
-              <a:t>‹#›</a:t>
             </a:fld>
             <a:endParaRPr lang="zh-CN" altLang="en-US"/>
           </a:p>
         </p:txBody>
       </p:sp>
     </p:spTree>
-    <p:extLst>
-      <p:ext uri="{BB962C8B-B14F-4D97-AF65-F5344CB8AC3E}">
-        <p14:creationId xmlns:p14="http://schemas.microsoft.com/office/powerpoint/2010/main" val="2021317499"/>
-      </p:ext>
-    </p:extLst>
   </p:cSld>
   <p:clrMapOvr>
     <a:masterClrMapping/>
@@ -1362,13 +1294,7 @@
       </p:grpSpPr>
       <p:sp>
         <p:nvSpPr>
-          <p:cNvPr id="2" name="标题 1">
-            <a:extLst>
-              <a:ext uri="{FF2B5EF4-FFF2-40B4-BE49-F238E27FC236}">
-                <a16:creationId xmlns:a16="http://schemas.microsoft.com/office/drawing/2014/main" id="{D33DAF32-CD9D-42E8-80D3-2771C5589189}"/>
-              </a:ext>
-            </a:extLst>
-          </p:cNvPr>
+          <p:cNvPr id="2" name="标题 1"/>
           <p:cNvSpPr>
             <a:spLocks noGrp="1"/>
           </p:cNvSpPr>
@@ -1393,23 +1319,18 @@
               <a:rPr lang="zh-CN" altLang="en-US"/>
               <a:t>单击此处编辑母版标题样式</a:t>
             </a:r>
-          </a:p>
-        </p:txBody>
-      </p:sp>
-      <p:sp>
-        <p:nvSpPr>
-          <p:cNvPr id="3" name="竖排文字占位符 2">
-            <a:extLst>
-              <a:ext uri="{FF2B5EF4-FFF2-40B4-BE49-F238E27FC236}">
-                <a16:creationId xmlns:a16="http://schemas.microsoft.com/office/drawing/2014/main" id="{4CD05563-CAD6-47F9-A5D9-3C4690690C7E}"/>
-              </a:ext>
-            </a:extLst>
-          </p:cNvPr>
-          <p:cNvSpPr>
-            <a:spLocks noGrp="1"/>
-          </p:cNvSpPr>
-          <p:nvPr>
-            <p:ph type="body" orient="vert" idx="1"/>
+            <a:endParaRPr lang="zh-CN" altLang="en-US"/>
+          </a:p>
+        </p:txBody>
+      </p:sp>
+      <p:sp>
+        <p:nvSpPr>
+          <p:cNvPr id="3" name="竖排文字占位符 2"/>
+          <p:cNvSpPr>
+            <a:spLocks noGrp="1"/>
+          </p:cNvSpPr>
+          <p:nvPr>
+            <p:ph type="body" orient="vert" idx="1" hasCustomPrompt="1"/>
           </p:nvPr>
         </p:nvSpPr>
         <p:spPr>
@@ -1430,6 +1351,7 @@
               <a:rPr lang="zh-CN" altLang="en-US"/>
               <a:t>编辑母版文本样式</a:t>
             </a:r>
+            <a:endParaRPr lang="zh-CN" altLang="en-US"/>
           </a:p>
           <a:p>
             <a:pPr lvl="1"/>
@@ -1437,6 +1359,7 @@
               <a:rPr lang="zh-CN" altLang="en-US"/>
               <a:t>第二级</a:t>
             </a:r>
+            <a:endParaRPr lang="zh-CN" altLang="en-US"/>
           </a:p>
           <a:p>
             <a:pPr lvl="2"/>
@@ -1444,6 +1367,7 @@
               <a:rPr lang="zh-CN" altLang="en-US"/>
               <a:t>第三级</a:t>
             </a:r>
+            <a:endParaRPr lang="zh-CN" altLang="en-US"/>
           </a:p>
           <a:p>
             <a:pPr lvl="3"/>
@@ -1451,6 +1375,7 @@
               <a:rPr lang="zh-CN" altLang="en-US"/>
               <a:t>第四级</a:t>
             </a:r>
+            <a:endParaRPr lang="zh-CN" altLang="en-US"/>
           </a:p>
           <a:p>
             <a:pPr lvl="4"/>
@@ -1458,18 +1383,13 @@
               <a:rPr lang="zh-CN" altLang="en-US"/>
               <a:t>第五级</a:t>
             </a:r>
-          </a:p>
-        </p:txBody>
-      </p:sp>
-      <p:sp>
-        <p:nvSpPr>
-          <p:cNvPr id="4" name="日期占位符 3">
-            <a:extLst>
-              <a:ext uri="{FF2B5EF4-FFF2-40B4-BE49-F238E27FC236}">
-                <a16:creationId xmlns:a16="http://schemas.microsoft.com/office/drawing/2014/main" id="{D95FAF8F-15EF-405B-943E-DA60AA6813EA}"/>
-              </a:ext>
-            </a:extLst>
-          </p:cNvPr>
+            <a:endParaRPr lang="zh-CN" altLang="en-US"/>
+          </a:p>
+        </p:txBody>
+      </p:sp>
+      <p:sp>
+        <p:nvSpPr>
+          <p:cNvPr id="4" name="日期占位符 3"/>
           <p:cNvSpPr>
             <a:spLocks noGrp="1"/>
           </p:cNvSpPr>
@@ -1492,7 +1412,6 @@
           <a:p>
             <a:fld id="{BF3496DB-E7C4-4EEF-B904-C90B99E75DD6}" type="datetimeFigureOut">
               <a:rPr lang="zh-CN" altLang="en-US" smtClean="0"/>
-              <a:t>2018/12/24</a:t>
             </a:fld>
             <a:endParaRPr lang="zh-CN" altLang="en-US"/>
           </a:p>
@@ -1500,13 +1419,7 @@
       </p:sp>
       <p:sp>
         <p:nvSpPr>
-          <p:cNvPr id="5" name="页脚占位符 4">
-            <a:extLst>
-              <a:ext uri="{FF2B5EF4-FFF2-40B4-BE49-F238E27FC236}">
-                <a16:creationId xmlns:a16="http://schemas.microsoft.com/office/drawing/2014/main" id="{DD550253-CD6A-44BE-956D-FB83A862B361}"/>
-              </a:ext>
-            </a:extLst>
-          </p:cNvPr>
+          <p:cNvPr id="5" name="页脚占位符 4"/>
           <p:cNvSpPr>
             <a:spLocks noGrp="1"/>
           </p:cNvSpPr>
@@ -1533,13 +1446,7 @@
       </p:sp>
       <p:sp>
         <p:nvSpPr>
-          <p:cNvPr id="6" name="灯片编号占位符 5">
-            <a:extLst>
-              <a:ext uri="{FF2B5EF4-FFF2-40B4-BE49-F238E27FC236}">
-                <a16:creationId xmlns:a16="http://schemas.microsoft.com/office/drawing/2014/main" id="{1BD76450-78EB-40D6-8353-57970033DEF3}"/>
-              </a:ext>
-            </a:extLst>
-          </p:cNvPr>
+          <p:cNvPr id="6" name="灯片编号占位符 5"/>
           <p:cNvSpPr>
             <a:spLocks noGrp="1"/>
           </p:cNvSpPr>
@@ -1562,18 +1469,12 @@
           <a:p>
             <a:fld id="{4CC34563-4A4A-44F2-908C-1BAA27668584}" type="slidenum">
               <a:rPr lang="zh-CN" altLang="en-US" smtClean="0"/>
-              <a:t>‹#›</a:t>
             </a:fld>
             <a:endParaRPr lang="zh-CN" altLang="en-US"/>
           </a:p>
         </p:txBody>
       </p:sp>
     </p:spTree>
-    <p:extLst>
-      <p:ext uri="{BB962C8B-B14F-4D97-AF65-F5344CB8AC3E}">
-        <p14:creationId xmlns:p14="http://schemas.microsoft.com/office/powerpoint/2010/main" val="1477823250"/>
-      </p:ext>
-    </p:extLst>
   </p:cSld>
   <p:clrMapOvr>
     <a:masterClrMapping/>
@@ -1600,13 +1501,7 @@
       </p:grpSpPr>
       <p:sp>
         <p:nvSpPr>
-          <p:cNvPr id="2" name="竖排标题 1">
-            <a:extLst>
-              <a:ext uri="{FF2B5EF4-FFF2-40B4-BE49-F238E27FC236}">
-                <a16:creationId xmlns:a16="http://schemas.microsoft.com/office/drawing/2014/main" id="{B863CBE7-8185-4F2F-B91A-E22953B5CEF1}"/>
-              </a:ext>
-            </a:extLst>
-          </p:cNvPr>
+          <p:cNvPr id="2" name="竖排标题 1"/>
           <p:cNvSpPr>
             <a:spLocks noGrp="1"/>
           </p:cNvSpPr>
@@ -1631,23 +1526,18 @@
               <a:rPr lang="zh-CN" altLang="en-US"/>
               <a:t>单击此处编辑母版标题样式</a:t>
             </a:r>
-          </a:p>
-        </p:txBody>
-      </p:sp>
-      <p:sp>
-        <p:nvSpPr>
-          <p:cNvPr id="3" name="竖排文字占位符 2">
-            <a:extLst>
-              <a:ext uri="{FF2B5EF4-FFF2-40B4-BE49-F238E27FC236}">
-                <a16:creationId xmlns:a16="http://schemas.microsoft.com/office/drawing/2014/main" id="{95807BD3-6FB5-4F57-9988-A3124097CBB4}"/>
-              </a:ext>
-            </a:extLst>
-          </p:cNvPr>
-          <p:cNvSpPr>
-            <a:spLocks noGrp="1"/>
-          </p:cNvSpPr>
-          <p:nvPr>
-            <p:ph type="body" orient="vert" idx="1"/>
+            <a:endParaRPr lang="zh-CN" altLang="en-US"/>
+          </a:p>
+        </p:txBody>
+      </p:sp>
+      <p:sp>
+        <p:nvSpPr>
+          <p:cNvPr id="3" name="竖排文字占位符 2"/>
+          <p:cNvSpPr>
+            <a:spLocks noGrp="1"/>
+          </p:cNvSpPr>
+          <p:nvPr>
+            <p:ph type="body" orient="vert" idx="1" hasCustomPrompt="1"/>
           </p:nvPr>
         </p:nvSpPr>
         <p:spPr>
@@ -1668,6 +1558,7 @@
               <a:rPr lang="zh-CN" altLang="en-US"/>
               <a:t>编辑母版文本样式</a:t>
             </a:r>
+            <a:endParaRPr lang="zh-CN" altLang="en-US"/>
           </a:p>
           <a:p>
             <a:pPr lvl="1"/>
@@ -1675,6 +1566,7 @@
               <a:rPr lang="zh-CN" altLang="en-US"/>
               <a:t>第二级</a:t>
             </a:r>
+            <a:endParaRPr lang="zh-CN" altLang="en-US"/>
           </a:p>
           <a:p>
             <a:pPr lvl="2"/>
@@ -1682,6 +1574,7 @@
               <a:rPr lang="zh-CN" altLang="en-US"/>
               <a:t>第三级</a:t>
             </a:r>
+            <a:endParaRPr lang="zh-CN" altLang="en-US"/>
           </a:p>
           <a:p>
             <a:pPr lvl="3"/>
@@ -1689,6 +1582,7 @@
               <a:rPr lang="zh-CN" altLang="en-US"/>
               <a:t>第四级</a:t>
             </a:r>
+            <a:endParaRPr lang="zh-CN" altLang="en-US"/>
           </a:p>
           <a:p>
             <a:pPr lvl="4"/>
@@ -1696,18 +1590,13 @@
               <a:rPr lang="zh-CN" altLang="en-US"/>
               <a:t>第五级</a:t>
             </a:r>
-          </a:p>
-        </p:txBody>
-      </p:sp>
-      <p:sp>
-        <p:nvSpPr>
-          <p:cNvPr id="4" name="日期占位符 3">
-            <a:extLst>
-              <a:ext uri="{FF2B5EF4-FFF2-40B4-BE49-F238E27FC236}">
-                <a16:creationId xmlns:a16="http://schemas.microsoft.com/office/drawing/2014/main" id="{8C3A355B-C45C-43B3-A3AC-63BC90E91A1A}"/>
-              </a:ext>
-            </a:extLst>
-          </p:cNvPr>
+            <a:endParaRPr lang="zh-CN" altLang="en-US"/>
+          </a:p>
+        </p:txBody>
+      </p:sp>
+      <p:sp>
+        <p:nvSpPr>
+          <p:cNvPr id="4" name="日期占位符 3"/>
           <p:cNvSpPr>
             <a:spLocks noGrp="1"/>
           </p:cNvSpPr>
@@ -1730,7 +1619,6 @@
           <a:p>
             <a:fld id="{BF3496DB-E7C4-4EEF-B904-C90B99E75DD6}" type="datetimeFigureOut">
               <a:rPr lang="zh-CN" altLang="en-US" smtClean="0"/>
-              <a:t>2018/12/24</a:t>
             </a:fld>
             <a:endParaRPr lang="zh-CN" altLang="en-US"/>
           </a:p>
@@ -1738,13 +1626,7 @@
       </p:sp>
       <p:sp>
         <p:nvSpPr>
-          <p:cNvPr id="5" name="页脚占位符 4">
-            <a:extLst>
-              <a:ext uri="{FF2B5EF4-FFF2-40B4-BE49-F238E27FC236}">
-                <a16:creationId xmlns:a16="http://schemas.microsoft.com/office/drawing/2014/main" id="{7E80D87F-B62B-4837-BA15-2C0C341185C3}"/>
-              </a:ext>
-            </a:extLst>
-          </p:cNvPr>
+          <p:cNvPr id="5" name="页脚占位符 4"/>
           <p:cNvSpPr>
             <a:spLocks noGrp="1"/>
           </p:cNvSpPr>
@@ -1771,13 +1653,7 @@
       </p:sp>
       <p:sp>
         <p:nvSpPr>
-          <p:cNvPr id="6" name="灯片编号占位符 5">
-            <a:extLst>
-              <a:ext uri="{FF2B5EF4-FFF2-40B4-BE49-F238E27FC236}">
-                <a16:creationId xmlns:a16="http://schemas.microsoft.com/office/drawing/2014/main" id="{F012BCB9-7C76-4EAE-A4D3-9C96FB834A55}"/>
-              </a:ext>
-            </a:extLst>
-          </p:cNvPr>
+          <p:cNvPr id="6" name="灯片编号占位符 5"/>
           <p:cNvSpPr>
             <a:spLocks noGrp="1"/>
           </p:cNvSpPr>
@@ -1800,18 +1676,12 @@
           <a:p>
             <a:fld id="{4CC34563-4A4A-44F2-908C-1BAA27668584}" type="slidenum">
               <a:rPr lang="zh-CN" altLang="en-US" smtClean="0"/>
-              <a:t>‹#›</a:t>
             </a:fld>
             <a:endParaRPr lang="zh-CN" altLang="en-US"/>
           </a:p>
         </p:txBody>
       </p:sp>
     </p:spTree>
-    <p:extLst>
-      <p:ext uri="{BB962C8B-B14F-4D97-AF65-F5344CB8AC3E}">
-        <p14:creationId xmlns:p14="http://schemas.microsoft.com/office/powerpoint/2010/main" val="3174252597"/>
-      </p:ext>
-    </p:extLst>
   </p:cSld>
   <p:clrMapOvr>
     <a:masterClrMapping/>
@@ -1838,13 +1708,7 @@
       </p:grpSpPr>
       <p:sp>
         <p:nvSpPr>
-          <p:cNvPr id="2" name="标题 1">
-            <a:extLst>
-              <a:ext uri="{FF2B5EF4-FFF2-40B4-BE49-F238E27FC236}">
-                <a16:creationId xmlns:a16="http://schemas.microsoft.com/office/drawing/2014/main" id="{02A42B2F-BBAD-4B7D-9E9D-BF29559DB970}"/>
-              </a:ext>
-            </a:extLst>
-          </p:cNvPr>
+          <p:cNvPr id="2" name="标题 1"/>
           <p:cNvSpPr>
             <a:spLocks noGrp="1"/>
           </p:cNvSpPr>
@@ -1877,23 +1741,18 @@
               <a:rPr lang="zh-CN" altLang="en-US" dirty="0"/>
               <a:t>单击此处编辑母版标题样式</a:t>
             </a:r>
-          </a:p>
-        </p:txBody>
-      </p:sp>
-      <p:sp>
-        <p:nvSpPr>
-          <p:cNvPr id="3" name="内容占位符 2">
-            <a:extLst>
-              <a:ext uri="{FF2B5EF4-FFF2-40B4-BE49-F238E27FC236}">
-                <a16:creationId xmlns:a16="http://schemas.microsoft.com/office/drawing/2014/main" id="{73581126-E7C9-40D3-952B-C27421EC6781}"/>
-              </a:ext>
-            </a:extLst>
-          </p:cNvPr>
-          <p:cNvSpPr>
-            <a:spLocks noGrp="1"/>
-          </p:cNvSpPr>
-          <p:nvPr>
-            <p:ph idx="1"/>
+            <a:endParaRPr lang="zh-CN" altLang="en-US" dirty="0"/>
+          </a:p>
+        </p:txBody>
+      </p:sp>
+      <p:sp>
+        <p:nvSpPr>
+          <p:cNvPr id="3" name="内容占位符 2"/>
+          <p:cNvSpPr>
+            <a:spLocks noGrp="1"/>
+          </p:cNvSpPr>
+          <p:nvPr>
+            <p:ph idx="1" hasCustomPrompt="1"/>
           </p:nvPr>
         </p:nvSpPr>
         <p:spPr>
@@ -1950,6 +1809,7 @@
               <a:rPr lang="zh-CN" altLang="en-US" dirty="0"/>
               <a:t>编辑母版文本样式</a:t>
             </a:r>
+            <a:endParaRPr lang="zh-CN" altLang="en-US" dirty="0"/>
           </a:p>
           <a:p>
             <a:pPr lvl="1"/>
@@ -1957,6 +1817,7 @@
               <a:rPr lang="zh-CN" altLang="en-US" dirty="0"/>
               <a:t>第二级</a:t>
             </a:r>
+            <a:endParaRPr lang="zh-CN" altLang="en-US" dirty="0"/>
           </a:p>
           <a:p>
             <a:pPr lvl="2"/>
@@ -1964,6 +1825,7 @@
               <a:rPr lang="zh-CN" altLang="en-US" dirty="0"/>
               <a:t>第三级</a:t>
             </a:r>
+            <a:endParaRPr lang="zh-CN" altLang="en-US" dirty="0"/>
           </a:p>
           <a:p>
             <a:pPr lvl="3"/>
@@ -1971,6 +1833,7 @@
               <a:rPr lang="zh-CN" altLang="en-US" dirty="0"/>
               <a:t>第四级</a:t>
             </a:r>
+            <a:endParaRPr lang="zh-CN" altLang="en-US" dirty="0"/>
           </a:p>
           <a:p>
             <a:pPr lvl="4"/>
@@ -1978,18 +1841,13 @@
               <a:rPr lang="zh-CN" altLang="en-US" dirty="0"/>
               <a:t>第五级</a:t>
             </a:r>
-          </a:p>
-        </p:txBody>
-      </p:sp>
-      <p:sp>
-        <p:nvSpPr>
-          <p:cNvPr id="4" name="日期占位符 3">
-            <a:extLst>
-              <a:ext uri="{FF2B5EF4-FFF2-40B4-BE49-F238E27FC236}">
-                <a16:creationId xmlns:a16="http://schemas.microsoft.com/office/drawing/2014/main" id="{BCDE1A65-5AA3-4E2E-959F-431647A3B36B}"/>
-              </a:ext>
-            </a:extLst>
-          </p:cNvPr>
+            <a:endParaRPr lang="zh-CN" altLang="en-US" dirty="0"/>
+          </a:p>
+        </p:txBody>
+      </p:sp>
+      <p:sp>
+        <p:nvSpPr>
+          <p:cNvPr id="4" name="日期占位符 3"/>
           <p:cNvSpPr>
             <a:spLocks noGrp="1"/>
           </p:cNvSpPr>
@@ -2012,7 +1870,6 @@
           <a:p>
             <a:fld id="{BF3496DB-E7C4-4EEF-B904-C90B99E75DD6}" type="datetimeFigureOut">
               <a:rPr lang="zh-CN" altLang="en-US" smtClean="0"/>
-              <a:t>2018/12/24</a:t>
             </a:fld>
             <a:endParaRPr lang="zh-CN" altLang="en-US"/>
           </a:p>
@@ -2020,13 +1877,7 @@
       </p:sp>
       <p:sp>
         <p:nvSpPr>
-          <p:cNvPr id="5" name="页脚占位符 4">
-            <a:extLst>
-              <a:ext uri="{FF2B5EF4-FFF2-40B4-BE49-F238E27FC236}">
-                <a16:creationId xmlns:a16="http://schemas.microsoft.com/office/drawing/2014/main" id="{D30AC7E7-D58F-4FFF-AF5B-1FD85CAD7F00}"/>
-              </a:ext>
-            </a:extLst>
-          </p:cNvPr>
+          <p:cNvPr id="5" name="页脚占位符 4"/>
           <p:cNvSpPr>
             <a:spLocks noGrp="1"/>
           </p:cNvSpPr>
@@ -2053,13 +1904,7 @@
       </p:sp>
       <p:sp>
         <p:nvSpPr>
-          <p:cNvPr id="6" name="灯片编号占位符 5">
-            <a:extLst>
-              <a:ext uri="{FF2B5EF4-FFF2-40B4-BE49-F238E27FC236}">
-                <a16:creationId xmlns:a16="http://schemas.microsoft.com/office/drawing/2014/main" id="{3098E1D2-D16C-4B33-B766-50B4579C4327}"/>
-              </a:ext>
-            </a:extLst>
-          </p:cNvPr>
+          <p:cNvPr id="6" name="灯片编号占位符 5"/>
           <p:cNvSpPr>
             <a:spLocks noGrp="1"/>
           </p:cNvSpPr>
@@ -2082,18 +1927,12 @@
           <a:p>
             <a:fld id="{4CC34563-4A4A-44F2-908C-1BAA27668584}" type="slidenum">
               <a:rPr lang="zh-CN" altLang="en-US" smtClean="0"/>
-              <a:t>‹#›</a:t>
             </a:fld>
             <a:endParaRPr lang="zh-CN" altLang="en-US"/>
           </a:p>
         </p:txBody>
       </p:sp>
     </p:spTree>
-    <p:extLst>
-      <p:ext uri="{BB962C8B-B14F-4D97-AF65-F5344CB8AC3E}">
-        <p14:creationId xmlns:p14="http://schemas.microsoft.com/office/powerpoint/2010/main" val="3266747313"/>
-      </p:ext>
-    </p:extLst>
   </p:cSld>
   <p:clrMapOvr>
     <a:masterClrMapping/>
@@ -2120,13 +1959,7 @@
       </p:grpSpPr>
       <p:sp>
         <p:nvSpPr>
-          <p:cNvPr id="2" name="标题 1">
-            <a:extLst>
-              <a:ext uri="{FF2B5EF4-FFF2-40B4-BE49-F238E27FC236}">
-                <a16:creationId xmlns:a16="http://schemas.microsoft.com/office/drawing/2014/main" id="{D300A90E-6B36-4344-A34A-FA0C3FCB9253}"/>
-              </a:ext>
-            </a:extLst>
-          </p:cNvPr>
+          <p:cNvPr id="2" name="标题 1"/>
           <p:cNvSpPr>
             <a:spLocks noGrp="1"/>
           </p:cNvSpPr>
@@ -2159,23 +1992,18 @@
               <a:rPr lang="zh-CN" altLang="en-US" dirty="0"/>
               <a:t>单击此处编辑母版标题样式</a:t>
             </a:r>
-          </a:p>
-        </p:txBody>
-      </p:sp>
-      <p:sp>
-        <p:nvSpPr>
-          <p:cNvPr id="3" name="文本占位符 2">
-            <a:extLst>
-              <a:ext uri="{FF2B5EF4-FFF2-40B4-BE49-F238E27FC236}">
-                <a16:creationId xmlns:a16="http://schemas.microsoft.com/office/drawing/2014/main" id="{55232473-AC3C-490A-A769-FE0D3415F458}"/>
-              </a:ext>
-            </a:extLst>
-          </p:cNvPr>
-          <p:cNvSpPr>
-            <a:spLocks noGrp="1"/>
-          </p:cNvSpPr>
-          <p:nvPr>
-            <p:ph type="body" idx="1"/>
+            <a:endParaRPr lang="zh-CN" altLang="en-US" dirty="0"/>
+          </a:p>
+        </p:txBody>
+      </p:sp>
+      <p:sp>
+        <p:nvSpPr>
+          <p:cNvPr id="3" name="文本占位符 2"/>
+          <p:cNvSpPr>
+            <a:spLocks noGrp="1"/>
+          </p:cNvSpPr>
+          <p:nvPr>
+            <p:ph type="body" idx="1" hasCustomPrompt="1"/>
           </p:nvPr>
         </p:nvSpPr>
         <p:spPr>
@@ -2287,18 +2115,13 @@
               <a:rPr lang="zh-CN" altLang="en-US" dirty="0"/>
               <a:t>编辑母版文本样式</a:t>
             </a:r>
-          </a:p>
-        </p:txBody>
-      </p:sp>
-      <p:sp>
-        <p:nvSpPr>
-          <p:cNvPr id="4" name="日期占位符 3">
-            <a:extLst>
-              <a:ext uri="{FF2B5EF4-FFF2-40B4-BE49-F238E27FC236}">
-                <a16:creationId xmlns:a16="http://schemas.microsoft.com/office/drawing/2014/main" id="{CA591A90-F4B3-48B8-B2BC-39AFB87AB436}"/>
-              </a:ext>
-            </a:extLst>
-          </p:cNvPr>
+            <a:endParaRPr lang="zh-CN" altLang="en-US" dirty="0"/>
+          </a:p>
+        </p:txBody>
+      </p:sp>
+      <p:sp>
+        <p:nvSpPr>
+          <p:cNvPr id="4" name="日期占位符 3"/>
           <p:cNvSpPr>
             <a:spLocks noGrp="1"/>
           </p:cNvSpPr>
@@ -2321,7 +2144,6 @@
           <a:p>
             <a:fld id="{BF3496DB-E7C4-4EEF-B904-C90B99E75DD6}" type="datetimeFigureOut">
               <a:rPr lang="zh-CN" altLang="en-US" smtClean="0"/>
-              <a:t>2018/12/24</a:t>
             </a:fld>
             <a:endParaRPr lang="zh-CN" altLang="en-US"/>
           </a:p>
@@ -2329,13 +2151,7 @@
       </p:sp>
       <p:sp>
         <p:nvSpPr>
-          <p:cNvPr id="5" name="页脚占位符 4">
-            <a:extLst>
-              <a:ext uri="{FF2B5EF4-FFF2-40B4-BE49-F238E27FC236}">
-                <a16:creationId xmlns:a16="http://schemas.microsoft.com/office/drawing/2014/main" id="{41B438D1-9260-4E18-9311-A5CBA2AFE4F2}"/>
-              </a:ext>
-            </a:extLst>
-          </p:cNvPr>
+          <p:cNvPr id="5" name="页脚占位符 4"/>
           <p:cNvSpPr>
             <a:spLocks noGrp="1"/>
           </p:cNvSpPr>
@@ -2362,13 +2178,7 @@
       </p:sp>
       <p:sp>
         <p:nvSpPr>
-          <p:cNvPr id="6" name="灯片编号占位符 5">
-            <a:extLst>
-              <a:ext uri="{FF2B5EF4-FFF2-40B4-BE49-F238E27FC236}">
-                <a16:creationId xmlns:a16="http://schemas.microsoft.com/office/drawing/2014/main" id="{F56B1FF1-C96E-44F0-888A-1420D153C5E7}"/>
-              </a:ext>
-            </a:extLst>
-          </p:cNvPr>
+          <p:cNvPr id="6" name="灯片编号占位符 5"/>
           <p:cNvSpPr>
             <a:spLocks noGrp="1"/>
           </p:cNvSpPr>
@@ -2391,18 +2201,12 @@
           <a:p>
             <a:fld id="{4CC34563-4A4A-44F2-908C-1BAA27668584}" type="slidenum">
               <a:rPr lang="zh-CN" altLang="en-US" smtClean="0"/>
-              <a:t>‹#›</a:t>
             </a:fld>
             <a:endParaRPr lang="zh-CN" altLang="en-US"/>
           </a:p>
         </p:txBody>
       </p:sp>
     </p:spTree>
-    <p:extLst>
-      <p:ext uri="{BB962C8B-B14F-4D97-AF65-F5344CB8AC3E}">
-        <p14:creationId xmlns:p14="http://schemas.microsoft.com/office/powerpoint/2010/main" val="3052429556"/>
-      </p:ext>
-    </p:extLst>
   </p:cSld>
   <p:clrMapOvr>
     <a:masterClrMapping/>
@@ -2429,13 +2233,7 @@
       </p:grpSpPr>
       <p:sp>
         <p:nvSpPr>
-          <p:cNvPr id="2" name="标题 1">
-            <a:extLst>
-              <a:ext uri="{FF2B5EF4-FFF2-40B4-BE49-F238E27FC236}">
-                <a16:creationId xmlns:a16="http://schemas.microsoft.com/office/drawing/2014/main" id="{91CEC094-74E2-4B82-9CCD-E73015BCB09D}"/>
-              </a:ext>
-            </a:extLst>
-          </p:cNvPr>
+          <p:cNvPr id="2" name="标题 1"/>
           <p:cNvSpPr>
             <a:spLocks noGrp="1"/>
           </p:cNvSpPr>
@@ -2460,23 +2258,18 @@
               <a:rPr lang="zh-CN" altLang="en-US"/>
               <a:t>单击此处编辑母版标题样式</a:t>
             </a:r>
-          </a:p>
-        </p:txBody>
-      </p:sp>
-      <p:sp>
-        <p:nvSpPr>
-          <p:cNvPr id="3" name="内容占位符 2">
-            <a:extLst>
-              <a:ext uri="{FF2B5EF4-FFF2-40B4-BE49-F238E27FC236}">
-                <a16:creationId xmlns:a16="http://schemas.microsoft.com/office/drawing/2014/main" id="{0AA98399-97A3-47E0-9EBD-BD09EBF96DF5}"/>
-              </a:ext>
-            </a:extLst>
-          </p:cNvPr>
-          <p:cNvSpPr>
-            <a:spLocks noGrp="1"/>
-          </p:cNvSpPr>
-          <p:nvPr>
-            <p:ph sz="half" idx="1"/>
+            <a:endParaRPr lang="zh-CN" altLang="en-US"/>
+          </a:p>
+        </p:txBody>
+      </p:sp>
+      <p:sp>
+        <p:nvSpPr>
+          <p:cNvPr id="3" name="内容占位符 2"/>
+          <p:cNvSpPr>
+            <a:spLocks noGrp="1"/>
+          </p:cNvSpPr>
+          <p:nvPr>
+            <p:ph sz="half" idx="1" hasCustomPrompt="1"/>
           </p:nvPr>
         </p:nvSpPr>
         <p:spPr>
@@ -2497,6 +2290,7 @@
               <a:rPr lang="zh-CN" altLang="en-US"/>
               <a:t>编辑母版文本样式</a:t>
             </a:r>
+            <a:endParaRPr lang="zh-CN" altLang="en-US"/>
           </a:p>
           <a:p>
             <a:pPr lvl="1"/>
@@ -2504,6 +2298,7 @@
               <a:rPr lang="zh-CN" altLang="en-US"/>
               <a:t>第二级</a:t>
             </a:r>
+            <a:endParaRPr lang="zh-CN" altLang="en-US"/>
           </a:p>
           <a:p>
             <a:pPr lvl="2"/>
@@ -2511,6 +2306,7 @@
               <a:rPr lang="zh-CN" altLang="en-US"/>
               <a:t>第三级</a:t>
             </a:r>
+            <a:endParaRPr lang="zh-CN" altLang="en-US"/>
           </a:p>
           <a:p>
             <a:pPr lvl="3"/>
@@ -2518,6 +2314,7 @@
               <a:rPr lang="zh-CN" altLang="en-US"/>
               <a:t>第四级</a:t>
             </a:r>
+            <a:endParaRPr lang="zh-CN" altLang="en-US"/>
           </a:p>
           <a:p>
             <a:pPr lvl="4"/>
@@ -2525,23 +2322,18 @@
               <a:rPr lang="zh-CN" altLang="en-US"/>
               <a:t>第五级</a:t>
             </a:r>
-          </a:p>
-        </p:txBody>
-      </p:sp>
-      <p:sp>
-        <p:nvSpPr>
-          <p:cNvPr id="4" name="内容占位符 3">
-            <a:extLst>
-              <a:ext uri="{FF2B5EF4-FFF2-40B4-BE49-F238E27FC236}">
-                <a16:creationId xmlns:a16="http://schemas.microsoft.com/office/drawing/2014/main" id="{F8428136-D64C-4755-B8D9-8B2E5BA19FDF}"/>
-              </a:ext>
-            </a:extLst>
-          </p:cNvPr>
-          <p:cNvSpPr>
-            <a:spLocks noGrp="1"/>
-          </p:cNvSpPr>
-          <p:nvPr>
-            <p:ph sz="half" idx="2"/>
+            <a:endParaRPr lang="zh-CN" altLang="en-US"/>
+          </a:p>
+        </p:txBody>
+      </p:sp>
+      <p:sp>
+        <p:nvSpPr>
+          <p:cNvPr id="4" name="内容占位符 3"/>
+          <p:cNvSpPr>
+            <a:spLocks noGrp="1"/>
+          </p:cNvSpPr>
+          <p:nvPr>
+            <p:ph sz="half" idx="2" hasCustomPrompt="1"/>
           </p:nvPr>
         </p:nvSpPr>
         <p:spPr>
@@ -2562,6 +2354,7 @@
               <a:rPr lang="zh-CN" altLang="en-US"/>
               <a:t>编辑母版文本样式</a:t>
             </a:r>
+            <a:endParaRPr lang="zh-CN" altLang="en-US"/>
           </a:p>
           <a:p>
             <a:pPr lvl="1"/>
@@ -2569,6 +2362,7 @@
               <a:rPr lang="zh-CN" altLang="en-US"/>
               <a:t>第二级</a:t>
             </a:r>
+            <a:endParaRPr lang="zh-CN" altLang="en-US"/>
           </a:p>
           <a:p>
             <a:pPr lvl="2"/>
@@ -2576,6 +2370,7 @@
               <a:rPr lang="zh-CN" altLang="en-US"/>
               <a:t>第三级</a:t>
             </a:r>
+            <a:endParaRPr lang="zh-CN" altLang="en-US"/>
           </a:p>
           <a:p>
             <a:pPr lvl="3"/>
@@ -2583,6 +2378,7 @@
               <a:rPr lang="zh-CN" altLang="en-US"/>
               <a:t>第四级</a:t>
             </a:r>
+            <a:endParaRPr lang="zh-CN" altLang="en-US"/>
           </a:p>
           <a:p>
             <a:pPr lvl="4"/>
@@ -2590,18 +2386,13 @@
               <a:rPr lang="zh-CN" altLang="en-US"/>
               <a:t>第五级</a:t>
             </a:r>
-          </a:p>
-        </p:txBody>
-      </p:sp>
-      <p:sp>
-        <p:nvSpPr>
-          <p:cNvPr id="5" name="日期占位符 4">
-            <a:extLst>
-              <a:ext uri="{FF2B5EF4-FFF2-40B4-BE49-F238E27FC236}">
-                <a16:creationId xmlns:a16="http://schemas.microsoft.com/office/drawing/2014/main" id="{4456FF98-E49D-4640-9EE0-7F94EE292DDC}"/>
-              </a:ext>
-            </a:extLst>
-          </p:cNvPr>
+            <a:endParaRPr lang="zh-CN" altLang="en-US"/>
+          </a:p>
+        </p:txBody>
+      </p:sp>
+      <p:sp>
+        <p:nvSpPr>
+          <p:cNvPr id="5" name="日期占位符 4"/>
           <p:cNvSpPr>
             <a:spLocks noGrp="1"/>
           </p:cNvSpPr>
@@ -2624,7 +2415,6 @@
           <a:p>
             <a:fld id="{BF3496DB-E7C4-4EEF-B904-C90B99E75DD6}" type="datetimeFigureOut">
               <a:rPr lang="zh-CN" altLang="en-US" smtClean="0"/>
-              <a:t>2018/12/24</a:t>
             </a:fld>
             <a:endParaRPr lang="zh-CN" altLang="en-US"/>
           </a:p>
@@ -2632,13 +2422,7 @@
       </p:sp>
       <p:sp>
         <p:nvSpPr>
-          <p:cNvPr id="6" name="页脚占位符 5">
-            <a:extLst>
-              <a:ext uri="{FF2B5EF4-FFF2-40B4-BE49-F238E27FC236}">
-                <a16:creationId xmlns:a16="http://schemas.microsoft.com/office/drawing/2014/main" id="{C6F2707F-9B1B-490D-9ECD-02EC9C4DCBAF}"/>
-              </a:ext>
-            </a:extLst>
-          </p:cNvPr>
+          <p:cNvPr id="6" name="页脚占位符 5"/>
           <p:cNvSpPr>
             <a:spLocks noGrp="1"/>
           </p:cNvSpPr>
@@ -2665,13 +2449,7 @@
       </p:sp>
       <p:sp>
         <p:nvSpPr>
-          <p:cNvPr id="7" name="灯片编号占位符 6">
-            <a:extLst>
-              <a:ext uri="{FF2B5EF4-FFF2-40B4-BE49-F238E27FC236}">
-                <a16:creationId xmlns:a16="http://schemas.microsoft.com/office/drawing/2014/main" id="{84142691-72A6-4E34-8D27-47302264B11A}"/>
-              </a:ext>
-            </a:extLst>
-          </p:cNvPr>
+          <p:cNvPr id="7" name="灯片编号占位符 6"/>
           <p:cNvSpPr>
             <a:spLocks noGrp="1"/>
           </p:cNvSpPr>
@@ -2694,18 +2472,12 @@
           <a:p>
             <a:fld id="{4CC34563-4A4A-44F2-908C-1BAA27668584}" type="slidenum">
               <a:rPr lang="zh-CN" altLang="en-US" smtClean="0"/>
-              <a:t>‹#›</a:t>
             </a:fld>
             <a:endParaRPr lang="zh-CN" altLang="en-US"/>
           </a:p>
         </p:txBody>
       </p:sp>
     </p:spTree>
-    <p:extLst>
-      <p:ext uri="{BB962C8B-B14F-4D97-AF65-F5344CB8AC3E}">
-        <p14:creationId xmlns:p14="http://schemas.microsoft.com/office/powerpoint/2010/main" val="1144869084"/>
-      </p:ext>
-    </p:extLst>
   </p:cSld>
   <p:clrMapOvr>
     <a:masterClrMapping/>
@@ -2732,13 +2504,7 @@
       </p:grpSpPr>
       <p:sp>
         <p:nvSpPr>
-          <p:cNvPr id="2" name="标题 1">
-            <a:extLst>
-              <a:ext uri="{FF2B5EF4-FFF2-40B4-BE49-F238E27FC236}">
-                <a16:creationId xmlns:a16="http://schemas.microsoft.com/office/drawing/2014/main" id="{E273F3EE-3554-43CC-9F53-E909D89ADB38}"/>
-              </a:ext>
-            </a:extLst>
-          </p:cNvPr>
+          <p:cNvPr id="2" name="标题 1"/>
           <p:cNvSpPr>
             <a:spLocks noGrp="1"/>
           </p:cNvSpPr>
@@ -2763,23 +2529,18 @@
               <a:rPr lang="zh-CN" altLang="en-US"/>
               <a:t>单击此处编辑母版标题样式</a:t>
             </a:r>
-          </a:p>
-        </p:txBody>
-      </p:sp>
-      <p:sp>
-        <p:nvSpPr>
-          <p:cNvPr id="3" name="文本占位符 2">
-            <a:extLst>
-              <a:ext uri="{FF2B5EF4-FFF2-40B4-BE49-F238E27FC236}">
-                <a16:creationId xmlns:a16="http://schemas.microsoft.com/office/drawing/2014/main" id="{AD0574F6-8362-4A6E-8350-25790AA4E279}"/>
-              </a:ext>
-            </a:extLst>
-          </p:cNvPr>
-          <p:cNvSpPr>
-            <a:spLocks noGrp="1"/>
-          </p:cNvSpPr>
-          <p:nvPr>
-            <p:ph type="body" idx="1"/>
+            <a:endParaRPr lang="zh-CN" altLang="en-US"/>
+          </a:p>
+        </p:txBody>
+      </p:sp>
+      <p:sp>
+        <p:nvSpPr>
+          <p:cNvPr id="3" name="文本占位符 2"/>
+          <p:cNvSpPr>
+            <a:spLocks noGrp="1"/>
+          </p:cNvSpPr>
+          <p:nvPr>
+            <p:ph type="body" idx="1" hasCustomPrompt="1"/>
           </p:nvPr>
         </p:nvSpPr>
         <p:spPr>
@@ -2837,23 +2598,18 @@
               <a:rPr lang="zh-CN" altLang="en-US"/>
               <a:t>编辑母版文本样式</a:t>
             </a:r>
-          </a:p>
-        </p:txBody>
-      </p:sp>
-      <p:sp>
-        <p:nvSpPr>
-          <p:cNvPr id="4" name="内容占位符 3">
-            <a:extLst>
-              <a:ext uri="{FF2B5EF4-FFF2-40B4-BE49-F238E27FC236}">
-                <a16:creationId xmlns:a16="http://schemas.microsoft.com/office/drawing/2014/main" id="{37D94B3B-F24F-4D95-99AC-E9D2A48DF8F6}"/>
-              </a:ext>
-            </a:extLst>
-          </p:cNvPr>
-          <p:cNvSpPr>
-            <a:spLocks noGrp="1"/>
-          </p:cNvSpPr>
-          <p:nvPr>
-            <p:ph sz="half" idx="2"/>
+            <a:endParaRPr lang="zh-CN" altLang="en-US"/>
+          </a:p>
+        </p:txBody>
+      </p:sp>
+      <p:sp>
+        <p:nvSpPr>
+          <p:cNvPr id="4" name="内容占位符 3"/>
+          <p:cNvSpPr>
+            <a:spLocks noGrp="1"/>
+          </p:cNvSpPr>
+          <p:nvPr>
+            <p:ph sz="half" idx="2" hasCustomPrompt="1"/>
           </p:nvPr>
         </p:nvSpPr>
         <p:spPr>
@@ -2874,6 +2630,7 @@
               <a:rPr lang="zh-CN" altLang="en-US"/>
               <a:t>编辑母版文本样式</a:t>
             </a:r>
+            <a:endParaRPr lang="zh-CN" altLang="en-US"/>
           </a:p>
           <a:p>
             <a:pPr lvl="1"/>
@@ -2881,6 +2638,7 @@
               <a:rPr lang="zh-CN" altLang="en-US"/>
               <a:t>第二级</a:t>
             </a:r>
+            <a:endParaRPr lang="zh-CN" altLang="en-US"/>
           </a:p>
           <a:p>
             <a:pPr lvl="2"/>
@@ -2888,6 +2646,7 @@
               <a:rPr lang="zh-CN" altLang="en-US"/>
               <a:t>第三级</a:t>
             </a:r>
+            <a:endParaRPr lang="zh-CN" altLang="en-US"/>
           </a:p>
           <a:p>
             <a:pPr lvl="3"/>
@@ -2895,6 +2654,7 @@
               <a:rPr lang="zh-CN" altLang="en-US"/>
               <a:t>第四级</a:t>
             </a:r>
+            <a:endParaRPr lang="zh-CN" altLang="en-US"/>
           </a:p>
           <a:p>
             <a:pPr lvl="4"/>
@@ -2902,23 +2662,18 @@
               <a:rPr lang="zh-CN" altLang="en-US"/>
               <a:t>第五级</a:t>
             </a:r>
-          </a:p>
-        </p:txBody>
-      </p:sp>
-      <p:sp>
-        <p:nvSpPr>
-          <p:cNvPr id="5" name="文本占位符 4">
-            <a:extLst>
-              <a:ext uri="{FF2B5EF4-FFF2-40B4-BE49-F238E27FC236}">
-                <a16:creationId xmlns:a16="http://schemas.microsoft.com/office/drawing/2014/main" id="{38C4A693-F284-4E29-BBD5-3BC4113D2980}"/>
-              </a:ext>
-            </a:extLst>
-          </p:cNvPr>
-          <p:cNvSpPr>
-            <a:spLocks noGrp="1"/>
-          </p:cNvSpPr>
-          <p:nvPr>
-            <p:ph type="body" sz="quarter" idx="3"/>
+            <a:endParaRPr lang="zh-CN" altLang="en-US"/>
+          </a:p>
+        </p:txBody>
+      </p:sp>
+      <p:sp>
+        <p:nvSpPr>
+          <p:cNvPr id="5" name="文本占位符 4"/>
+          <p:cNvSpPr>
+            <a:spLocks noGrp="1"/>
+          </p:cNvSpPr>
+          <p:nvPr>
+            <p:ph type="body" sz="quarter" idx="3" hasCustomPrompt="1"/>
           </p:nvPr>
         </p:nvSpPr>
         <p:spPr>
@@ -2976,23 +2731,18 @@
               <a:rPr lang="zh-CN" altLang="en-US"/>
               <a:t>编辑母版文本样式</a:t>
             </a:r>
-          </a:p>
-        </p:txBody>
-      </p:sp>
-      <p:sp>
-        <p:nvSpPr>
-          <p:cNvPr id="6" name="内容占位符 5">
-            <a:extLst>
-              <a:ext uri="{FF2B5EF4-FFF2-40B4-BE49-F238E27FC236}">
-                <a16:creationId xmlns:a16="http://schemas.microsoft.com/office/drawing/2014/main" id="{A58C6DF0-882C-4127-9D1E-0F50B6AC3320}"/>
-              </a:ext>
-            </a:extLst>
-          </p:cNvPr>
-          <p:cNvSpPr>
-            <a:spLocks noGrp="1"/>
-          </p:cNvSpPr>
-          <p:nvPr>
-            <p:ph sz="quarter" idx="4"/>
+            <a:endParaRPr lang="zh-CN" altLang="en-US"/>
+          </a:p>
+        </p:txBody>
+      </p:sp>
+      <p:sp>
+        <p:nvSpPr>
+          <p:cNvPr id="6" name="内容占位符 5"/>
+          <p:cNvSpPr>
+            <a:spLocks noGrp="1"/>
+          </p:cNvSpPr>
+          <p:nvPr>
+            <p:ph sz="quarter" idx="4" hasCustomPrompt="1"/>
           </p:nvPr>
         </p:nvSpPr>
         <p:spPr>
@@ -3013,6 +2763,7 @@
               <a:rPr lang="zh-CN" altLang="en-US"/>
               <a:t>编辑母版文本样式</a:t>
             </a:r>
+            <a:endParaRPr lang="zh-CN" altLang="en-US"/>
           </a:p>
           <a:p>
             <a:pPr lvl="1"/>
@@ -3020,6 +2771,7 @@
               <a:rPr lang="zh-CN" altLang="en-US"/>
               <a:t>第二级</a:t>
             </a:r>
+            <a:endParaRPr lang="zh-CN" altLang="en-US"/>
           </a:p>
           <a:p>
             <a:pPr lvl="2"/>
@@ -3027,6 +2779,7 @@
               <a:rPr lang="zh-CN" altLang="en-US"/>
               <a:t>第三级</a:t>
             </a:r>
+            <a:endParaRPr lang="zh-CN" altLang="en-US"/>
           </a:p>
           <a:p>
             <a:pPr lvl="3"/>
@@ -3034,6 +2787,7 @@
               <a:rPr lang="zh-CN" altLang="en-US"/>
               <a:t>第四级</a:t>
             </a:r>
+            <a:endParaRPr lang="zh-CN" altLang="en-US"/>
           </a:p>
           <a:p>
             <a:pPr lvl="4"/>
@@ -3041,18 +2795,13 @@
               <a:rPr lang="zh-CN" altLang="en-US"/>
               <a:t>第五级</a:t>
             </a:r>
-          </a:p>
-        </p:txBody>
-      </p:sp>
-      <p:sp>
-        <p:nvSpPr>
-          <p:cNvPr id="7" name="日期占位符 6">
-            <a:extLst>
-              <a:ext uri="{FF2B5EF4-FFF2-40B4-BE49-F238E27FC236}">
-                <a16:creationId xmlns:a16="http://schemas.microsoft.com/office/drawing/2014/main" id="{01E36A61-AD7F-47E8-B002-4C42EF71827A}"/>
-              </a:ext>
-            </a:extLst>
-          </p:cNvPr>
+            <a:endParaRPr lang="zh-CN" altLang="en-US"/>
+          </a:p>
+        </p:txBody>
+      </p:sp>
+      <p:sp>
+        <p:nvSpPr>
+          <p:cNvPr id="7" name="日期占位符 6"/>
           <p:cNvSpPr>
             <a:spLocks noGrp="1"/>
           </p:cNvSpPr>
@@ -3075,7 +2824,6 @@
           <a:p>
             <a:fld id="{BF3496DB-E7C4-4EEF-B904-C90B99E75DD6}" type="datetimeFigureOut">
               <a:rPr lang="zh-CN" altLang="en-US" smtClean="0"/>
-              <a:t>2018/12/24</a:t>
             </a:fld>
             <a:endParaRPr lang="zh-CN" altLang="en-US"/>
           </a:p>
@@ -3083,13 +2831,7 @@
       </p:sp>
       <p:sp>
         <p:nvSpPr>
-          <p:cNvPr id="8" name="页脚占位符 7">
-            <a:extLst>
-              <a:ext uri="{FF2B5EF4-FFF2-40B4-BE49-F238E27FC236}">
-                <a16:creationId xmlns:a16="http://schemas.microsoft.com/office/drawing/2014/main" id="{A8743EBA-CDBE-4998-993C-B53F8D08FBF4}"/>
-              </a:ext>
-            </a:extLst>
-          </p:cNvPr>
+          <p:cNvPr id="8" name="页脚占位符 7"/>
           <p:cNvSpPr>
             <a:spLocks noGrp="1"/>
           </p:cNvSpPr>
@@ -3116,13 +2858,7 @@
       </p:sp>
       <p:sp>
         <p:nvSpPr>
-          <p:cNvPr id="9" name="灯片编号占位符 8">
-            <a:extLst>
-              <a:ext uri="{FF2B5EF4-FFF2-40B4-BE49-F238E27FC236}">
-                <a16:creationId xmlns:a16="http://schemas.microsoft.com/office/drawing/2014/main" id="{94F2B7A6-7EB9-4B27-A259-5C99263F39AB}"/>
-              </a:ext>
-            </a:extLst>
-          </p:cNvPr>
+          <p:cNvPr id="9" name="灯片编号占位符 8"/>
           <p:cNvSpPr>
             <a:spLocks noGrp="1"/>
           </p:cNvSpPr>
@@ -3145,18 +2881,12 @@
           <a:p>
             <a:fld id="{4CC34563-4A4A-44F2-908C-1BAA27668584}" type="slidenum">
               <a:rPr lang="zh-CN" altLang="en-US" smtClean="0"/>
-              <a:t>‹#›</a:t>
             </a:fld>
             <a:endParaRPr lang="zh-CN" altLang="en-US"/>
           </a:p>
         </p:txBody>
       </p:sp>
     </p:spTree>
-    <p:extLst>
-      <p:ext uri="{BB962C8B-B14F-4D97-AF65-F5344CB8AC3E}">
-        <p14:creationId xmlns:p14="http://schemas.microsoft.com/office/powerpoint/2010/main" val="2082364049"/>
-      </p:ext>
-    </p:extLst>
   </p:cSld>
   <p:clrMapOvr>
     <a:masterClrMapping/>
@@ -3183,13 +2913,7 @@
       </p:grpSpPr>
       <p:sp>
         <p:nvSpPr>
-          <p:cNvPr id="2" name="标题 1">
-            <a:extLst>
-              <a:ext uri="{FF2B5EF4-FFF2-40B4-BE49-F238E27FC236}">
-                <a16:creationId xmlns:a16="http://schemas.microsoft.com/office/drawing/2014/main" id="{A1663CBD-83AF-46B9-B780-991AB125CDC2}"/>
-              </a:ext>
-            </a:extLst>
-          </p:cNvPr>
+          <p:cNvPr id="2" name="标题 1"/>
           <p:cNvSpPr>
             <a:spLocks noGrp="1"/>
           </p:cNvSpPr>
@@ -3214,18 +2938,13 @@
               <a:rPr lang="zh-CN" altLang="en-US"/>
               <a:t>单击此处编辑母版标题样式</a:t>
             </a:r>
-          </a:p>
-        </p:txBody>
-      </p:sp>
-      <p:sp>
-        <p:nvSpPr>
-          <p:cNvPr id="3" name="日期占位符 2">
-            <a:extLst>
-              <a:ext uri="{FF2B5EF4-FFF2-40B4-BE49-F238E27FC236}">
-                <a16:creationId xmlns:a16="http://schemas.microsoft.com/office/drawing/2014/main" id="{39F2211E-AA12-4C0A-B991-D10F62878E91}"/>
-              </a:ext>
-            </a:extLst>
-          </p:cNvPr>
+            <a:endParaRPr lang="zh-CN" altLang="en-US"/>
+          </a:p>
+        </p:txBody>
+      </p:sp>
+      <p:sp>
+        <p:nvSpPr>
+          <p:cNvPr id="3" name="日期占位符 2"/>
           <p:cNvSpPr>
             <a:spLocks noGrp="1"/>
           </p:cNvSpPr>
@@ -3248,7 +2967,6 @@
           <a:p>
             <a:fld id="{BF3496DB-E7C4-4EEF-B904-C90B99E75DD6}" type="datetimeFigureOut">
               <a:rPr lang="zh-CN" altLang="en-US" smtClean="0"/>
-              <a:t>2018/12/24</a:t>
             </a:fld>
             <a:endParaRPr lang="zh-CN" altLang="en-US"/>
           </a:p>
@@ -3256,13 +2974,7 @@
       </p:sp>
       <p:sp>
         <p:nvSpPr>
-          <p:cNvPr id="4" name="页脚占位符 3">
-            <a:extLst>
-              <a:ext uri="{FF2B5EF4-FFF2-40B4-BE49-F238E27FC236}">
-                <a16:creationId xmlns:a16="http://schemas.microsoft.com/office/drawing/2014/main" id="{96A226F1-8027-4473-A10A-36A8DE7CEC11}"/>
-              </a:ext>
-            </a:extLst>
-          </p:cNvPr>
+          <p:cNvPr id="4" name="页脚占位符 3"/>
           <p:cNvSpPr>
             <a:spLocks noGrp="1"/>
           </p:cNvSpPr>
@@ -3289,13 +3001,7 @@
       </p:sp>
       <p:sp>
         <p:nvSpPr>
-          <p:cNvPr id="5" name="灯片编号占位符 4">
-            <a:extLst>
-              <a:ext uri="{FF2B5EF4-FFF2-40B4-BE49-F238E27FC236}">
-                <a16:creationId xmlns:a16="http://schemas.microsoft.com/office/drawing/2014/main" id="{96EA111F-28F5-4542-974D-B28E2BDDF1B8}"/>
-              </a:ext>
-            </a:extLst>
-          </p:cNvPr>
+          <p:cNvPr id="5" name="灯片编号占位符 4"/>
           <p:cNvSpPr>
             <a:spLocks noGrp="1"/>
           </p:cNvSpPr>
@@ -3318,18 +3024,12 @@
           <a:p>
             <a:fld id="{4CC34563-4A4A-44F2-908C-1BAA27668584}" type="slidenum">
               <a:rPr lang="zh-CN" altLang="en-US" smtClean="0"/>
-              <a:t>‹#›</a:t>
             </a:fld>
             <a:endParaRPr lang="zh-CN" altLang="en-US"/>
           </a:p>
         </p:txBody>
       </p:sp>
     </p:spTree>
-    <p:extLst>
-      <p:ext uri="{BB962C8B-B14F-4D97-AF65-F5344CB8AC3E}">
-        <p14:creationId xmlns:p14="http://schemas.microsoft.com/office/powerpoint/2010/main" val="2244017886"/>
-      </p:ext>
-    </p:extLst>
   </p:cSld>
   <p:clrMapOvr>
     <a:masterClrMapping/>
@@ -3356,13 +3056,7 @@
       </p:grpSpPr>
       <p:sp>
         <p:nvSpPr>
-          <p:cNvPr id="2" name="日期占位符 1">
-            <a:extLst>
-              <a:ext uri="{FF2B5EF4-FFF2-40B4-BE49-F238E27FC236}">
-                <a16:creationId xmlns:a16="http://schemas.microsoft.com/office/drawing/2014/main" id="{C1996DFB-27AC-409C-A772-8E2C44F15594}"/>
-              </a:ext>
-            </a:extLst>
-          </p:cNvPr>
+          <p:cNvPr id="2" name="日期占位符 1"/>
           <p:cNvSpPr>
             <a:spLocks noGrp="1"/>
           </p:cNvSpPr>
@@ -3385,7 +3079,6 @@
           <a:p>
             <a:fld id="{BF3496DB-E7C4-4EEF-B904-C90B99E75DD6}" type="datetimeFigureOut">
               <a:rPr lang="zh-CN" altLang="en-US" smtClean="0"/>
-              <a:t>2018/12/24</a:t>
             </a:fld>
             <a:endParaRPr lang="zh-CN" altLang="en-US"/>
           </a:p>
@@ -3393,13 +3086,7 @@
       </p:sp>
       <p:sp>
         <p:nvSpPr>
-          <p:cNvPr id="3" name="页脚占位符 2">
-            <a:extLst>
-              <a:ext uri="{FF2B5EF4-FFF2-40B4-BE49-F238E27FC236}">
-                <a16:creationId xmlns:a16="http://schemas.microsoft.com/office/drawing/2014/main" id="{54484AAF-0D7E-42CC-BA99-7A45250B472B}"/>
-              </a:ext>
-            </a:extLst>
-          </p:cNvPr>
+          <p:cNvPr id="3" name="页脚占位符 2"/>
           <p:cNvSpPr>
             <a:spLocks noGrp="1"/>
           </p:cNvSpPr>
@@ -3426,13 +3113,7 @@
       </p:sp>
       <p:sp>
         <p:nvSpPr>
-          <p:cNvPr id="4" name="灯片编号占位符 3">
-            <a:extLst>
-              <a:ext uri="{FF2B5EF4-FFF2-40B4-BE49-F238E27FC236}">
-                <a16:creationId xmlns:a16="http://schemas.microsoft.com/office/drawing/2014/main" id="{7EFDAF26-4CFE-47BD-94EA-F87F31E37D4F}"/>
-              </a:ext>
-            </a:extLst>
-          </p:cNvPr>
+          <p:cNvPr id="4" name="灯片编号占位符 3"/>
           <p:cNvSpPr>
             <a:spLocks noGrp="1"/>
           </p:cNvSpPr>
@@ -3455,18 +3136,12 @@
           <a:p>
             <a:fld id="{4CC34563-4A4A-44F2-908C-1BAA27668584}" type="slidenum">
               <a:rPr lang="zh-CN" altLang="en-US" smtClean="0"/>
-              <a:t>‹#›</a:t>
             </a:fld>
             <a:endParaRPr lang="zh-CN" altLang="en-US"/>
           </a:p>
         </p:txBody>
       </p:sp>
     </p:spTree>
-    <p:extLst>
-      <p:ext uri="{BB962C8B-B14F-4D97-AF65-F5344CB8AC3E}">
-        <p14:creationId xmlns:p14="http://schemas.microsoft.com/office/powerpoint/2010/main" val="2815307146"/>
-      </p:ext>
-    </p:extLst>
   </p:cSld>
   <p:clrMapOvr>
     <a:masterClrMapping/>
@@ -3493,13 +3168,7 @@
       </p:grpSpPr>
       <p:sp>
         <p:nvSpPr>
-          <p:cNvPr id="2" name="标题 1">
-            <a:extLst>
-              <a:ext uri="{FF2B5EF4-FFF2-40B4-BE49-F238E27FC236}">
-                <a16:creationId xmlns:a16="http://schemas.microsoft.com/office/drawing/2014/main" id="{8CB96E44-BC7F-446E-8551-2564C302C1FE}"/>
-              </a:ext>
-            </a:extLst>
-          </p:cNvPr>
+          <p:cNvPr id="2" name="标题 1"/>
           <p:cNvSpPr>
             <a:spLocks noGrp="1"/>
           </p:cNvSpPr>
@@ -3528,23 +3197,18 @@
               <a:rPr lang="zh-CN" altLang="en-US"/>
               <a:t>单击此处编辑母版标题样式</a:t>
             </a:r>
-          </a:p>
-        </p:txBody>
-      </p:sp>
-      <p:sp>
-        <p:nvSpPr>
-          <p:cNvPr id="3" name="内容占位符 2">
-            <a:extLst>
-              <a:ext uri="{FF2B5EF4-FFF2-40B4-BE49-F238E27FC236}">
-                <a16:creationId xmlns:a16="http://schemas.microsoft.com/office/drawing/2014/main" id="{00EB2DF6-EEB0-4C7A-BE47-6B829C7C0129}"/>
-              </a:ext>
-            </a:extLst>
-          </p:cNvPr>
-          <p:cNvSpPr>
-            <a:spLocks noGrp="1"/>
-          </p:cNvSpPr>
-          <p:nvPr>
-            <p:ph idx="1"/>
+            <a:endParaRPr lang="zh-CN" altLang="en-US"/>
+          </a:p>
+        </p:txBody>
+      </p:sp>
+      <p:sp>
+        <p:nvSpPr>
+          <p:cNvPr id="3" name="内容占位符 2"/>
+          <p:cNvSpPr>
+            <a:spLocks noGrp="1"/>
+          </p:cNvSpPr>
+          <p:nvPr>
+            <p:ph idx="1" hasCustomPrompt="1"/>
           </p:nvPr>
         </p:nvSpPr>
         <p:spPr>
@@ -3593,6 +3257,7 @@
               <a:rPr lang="zh-CN" altLang="en-US"/>
               <a:t>编辑母版文本样式</a:t>
             </a:r>
+            <a:endParaRPr lang="zh-CN" altLang="en-US"/>
           </a:p>
           <a:p>
             <a:pPr lvl="1"/>
@@ -3600,6 +3265,7 @@
               <a:rPr lang="zh-CN" altLang="en-US"/>
               <a:t>第二级</a:t>
             </a:r>
+            <a:endParaRPr lang="zh-CN" altLang="en-US"/>
           </a:p>
           <a:p>
             <a:pPr lvl="2"/>
@@ -3607,6 +3273,7 @@
               <a:rPr lang="zh-CN" altLang="en-US"/>
               <a:t>第三级</a:t>
             </a:r>
+            <a:endParaRPr lang="zh-CN" altLang="en-US"/>
           </a:p>
           <a:p>
             <a:pPr lvl="3"/>
@@ -3614,6 +3281,7 @@
               <a:rPr lang="zh-CN" altLang="en-US"/>
               <a:t>第四级</a:t>
             </a:r>
+            <a:endParaRPr lang="zh-CN" altLang="en-US"/>
           </a:p>
           <a:p>
             <a:pPr lvl="4"/>
@@ -3621,23 +3289,18 @@
               <a:rPr lang="zh-CN" altLang="en-US"/>
               <a:t>第五级</a:t>
             </a:r>
-          </a:p>
-        </p:txBody>
-      </p:sp>
-      <p:sp>
-        <p:nvSpPr>
-          <p:cNvPr id="4" name="文本占位符 3">
-            <a:extLst>
-              <a:ext uri="{FF2B5EF4-FFF2-40B4-BE49-F238E27FC236}">
-                <a16:creationId xmlns:a16="http://schemas.microsoft.com/office/drawing/2014/main" id="{E29D2A59-4C98-48B1-8700-1DDB28806630}"/>
-              </a:ext>
-            </a:extLst>
-          </p:cNvPr>
-          <p:cNvSpPr>
-            <a:spLocks noGrp="1"/>
-          </p:cNvSpPr>
-          <p:nvPr>
-            <p:ph type="body" sz="half" idx="2"/>
+            <a:endParaRPr lang="zh-CN" altLang="en-US"/>
+          </a:p>
+        </p:txBody>
+      </p:sp>
+      <p:sp>
+        <p:nvSpPr>
+          <p:cNvPr id="4" name="文本占位符 3"/>
+          <p:cNvSpPr>
+            <a:spLocks noGrp="1"/>
+          </p:cNvSpPr>
+          <p:nvPr>
+            <p:ph type="body" sz="half" idx="2" hasCustomPrompt="1"/>
           </p:nvPr>
         </p:nvSpPr>
         <p:spPr>
@@ -3695,18 +3358,13 @@
               <a:rPr lang="zh-CN" altLang="en-US"/>
               <a:t>编辑母版文本样式</a:t>
             </a:r>
-          </a:p>
-        </p:txBody>
-      </p:sp>
-      <p:sp>
-        <p:nvSpPr>
-          <p:cNvPr id="5" name="日期占位符 4">
-            <a:extLst>
-              <a:ext uri="{FF2B5EF4-FFF2-40B4-BE49-F238E27FC236}">
-                <a16:creationId xmlns:a16="http://schemas.microsoft.com/office/drawing/2014/main" id="{99E5A043-C447-4E4E-B34D-179184F9B860}"/>
-              </a:ext>
-            </a:extLst>
-          </p:cNvPr>
+            <a:endParaRPr lang="zh-CN" altLang="en-US"/>
+          </a:p>
+        </p:txBody>
+      </p:sp>
+      <p:sp>
+        <p:nvSpPr>
+          <p:cNvPr id="5" name="日期占位符 4"/>
           <p:cNvSpPr>
             <a:spLocks noGrp="1"/>
           </p:cNvSpPr>
@@ -3729,7 +3387,6 @@
           <a:p>
             <a:fld id="{BF3496DB-E7C4-4EEF-B904-C90B99E75DD6}" type="datetimeFigureOut">
               <a:rPr lang="zh-CN" altLang="en-US" smtClean="0"/>
-              <a:t>2018/12/24</a:t>
             </a:fld>
             <a:endParaRPr lang="zh-CN" altLang="en-US"/>
           </a:p>
@@ -3737,13 +3394,7 @@
       </p:sp>
       <p:sp>
         <p:nvSpPr>
-          <p:cNvPr id="6" name="页脚占位符 5">
-            <a:extLst>
-              <a:ext uri="{FF2B5EF4-FFF2-40B4-BE49-F238E27FC236}">
-                <a16:creationId xmlns:a16="http://schemas.microsoft.com/office/drawing/2014/main" id="{F0DD7EA1-B164-4BE5-AF7F-40164DE53AEC}"/>
-              </a:ext>
-            </a:extLst>
-          </p:cNvPr>
+          <p:cNvPr id="6" name="页脚占位符 5"/>
           <p:cNvSpPr>
             <a:spLocks noGrp="1"/>
           </p:cNvSpPr>
@@ -3770,13 +3421,7 @@
       </p:sp>
       <p:sp>
         <p:nvSpPr>
-          <p:cNvPr id="7" name="灯片编号占位符 6">
-            <a:extLst>
-              <a:ext uri="{FF2B5EF4-FFF2-40B4-BE49-F238E27FC236}">
-                <a16:creationId xmlns:a16="http://schemas.microsoft.com/office/drawing/2014/main" id="{A5846FFD-215A-44D4-80EC-230C6172E547}"/>
-              </a:ext>
-            </a:extLst>
-          </p:cNvPr>
+          <p:cNvPr id="7" name="灯片编号占位符 6"/>
           <p:cNvSpPr>
             <a:spLocks noGrp="1"/>
           </p:cNvSpPr>
@@ -3799,18 +3444,12 @@
           <a:p>
             <a:fld id="{4CC34563-4A4A-44F2-908C-1BAA27668584}" type="slidenum">
               <a:rPr lang="zh-CN" altLang="en-US" smtClean="0"/>
-              <a:t>‹#›</a:t>
             </a:fld>
             <a:endParaRPr lang="zh-CN" altLang="en-US"/>
           </a:p>
         </p:txBody>
       </p:sp>
     </p:spTree>
-    <p:extLst>
-      <p:ext uri="{BB962C8B-B14F-4D97-AF65-F5344CB8AC3E}">
-        <p14:creationId xmlns:p14="http://schemas.microsoft.com/office/powerpoint/2010/main" val="1724781076"/>
-      </p:ext>
-    </p:extLst>
   </p:cSld>
   <p:clrMapOvr>
     <a:masterClrMapping/>
@@ -3837,13 +3476,7 @@
       </p:grpSpPr>
       <p:sp>
         <p:nvSpPr>
-          <p:cNvPr id="2" name="标题 1">
-            <a:extLst>
-              <a:ext uri="{FF2B5EF4-FFF2-40B4-BE49-F238E27FC236}">
-                <a16:creationId xmlns:a16="http://schemas.microsoft.com/office/drawing/2014/main" id="{01B3AEC6-B8F1-490B-89E0-A4B449EA8571}"/>
-              </a:ext>
-            </a:extLst>
-          </p:cNvPr>
+          <p:cNvPr id="2" name="标题 1"/>
           <p:cNvSpPr>
             <a:spLocks noGrp="1"/>
           </p:cNvSpPr>
@@ -3872,18 +3505,13 @@
               <a:rPr lang="zh-CN" altLang="en-US"/>
               <a:t>单击此处编辑母版标题样式</a:t>
             </a:r>
-          </a:p>
-        </p:txBody>
-      </p:sp>
-      <p:sp>
-        <p:nvSpPr>
-          <p:cNvPr id="3" name="图片占位符 2">
-            <a:extLst>
-              <a:ext uri="{FF2B5EF4-FFF2-40B4-BE49-F238E27FC236}">
-                <a16:creationId xmlns:a16="http://schemas.microsoft.com/office/drawing/2014/main" id="{43873133-701C-416A-BEF0-44511677BD40}"/>
-              </a:ext>
-            </a:extLst>
-          </p:cNvPr>
+            <a:endParaRPr lang="zh-CN" altLang="en-US"/>
+          </a:p>
+        </p:txBody>
+      </p:sp>
+      <p:sp>
+        <p:nvSpPr>
+          <p:cNvPr id="3" name="图片占位符 2"/>
           <p:cNvSpPr>
             <a:spLocks noGrp="1"/>
           </p:cNvSpPr>
@@ -3947,18 +3575,12 @@
       </p:sp>
       <p:sp>
         <p:nvSpPr>
-          <p:cNvPr id="4" name="文本占位符 3">
-            <a:extLst>
-              <a:ext uri="{FF2B5EF4-FFF2-40B4-BE49-F238E27FC236}">
-                <a16:creationId xmlns:a16="http://schemas.microsoft.com/office/drawing/2014/main" id="{B51A298C-E4B1-4837-AA57-08BB14ED73E1}"/>
-              </a:ext>
-            </a:extLst>
-          </p:cNvPr>
-          <p:cNvSpPr>
-            <a:spLocks noGrp="1"/>
-          </p:cNvSpPr>
-          <p:nvPr>
-            <p:ph type="body" sz="half" idx="2"/>
+          <p:cNvPr id="4" name="文本占位符 3"/>
+          <p:cNvSpPr>
+            <a:spLocks noGrp="1"/>
+          </p:cNvSpPr>
+          <p:nvPr>
+            <p:ph type="body" sz="half" idx="2" hasCustomPrompt="1"/>
           </p:nvPr>
         </p:nvSpPr>
         <p:spPr>
@@ -4016,18 +3638,13 @@
               <a:rPr lang="zh-CN" altLang="en-US"/>
               <a:t>编辑母版文本样式</a:t>
             </a:r>
-          </a:p>
-        </p:txBody>
-      </p:sp>
-      <p:sp>
-        <p:nvSpPr>
-          <p:cNvPr id="5" name="日期占位符 4">
-            <a:extLst>
-              <a:ext uri="{FF2B5EF4-FFF2-40B4-BE49-F238E27FC236}">
-                <a16:creationId xmlns:a16="http://schemas.microsoft.com/office/drawing/2014/main" id="{B5153C90-F055-4557-AC6A-E3A3E8D9B0F5}"/>
-              </a:ext>
-            </a:extLst>
-          </p:cNvPr>
+            <a:endParaRPr lang="zh-CN" altLang="en-US"/>
+          </a:p>
+        </p:txBody>
+      </p:sp>
+      <p:sp>
+        <p:nvSpPr>
+          <p:cNvPr id="5" name="日期占位符 4"/>
           <p:cNvSpPr>
             <a:spLocks noGrp="1"/>
           </p:cNvSpPr>
@@ -4050,7 +3667,6 @@
           <a:p>
             <a:fld id="{BF3496DB-E7C4-4EEF-B904-C90B99E75DD6}" type="datetimeFigureOut">
               <a:rPr lang="zh-CN" altLang="en-US" smtClean="0"/>
-              <a:t>2018/12/24</a:t>
             </a:fld>
             <a:endParaRPr lang="zh-CN" altLang="en-US"/>
           </a:p>
@@ -4058,13 +3674,7 @@
       </p:sp>
       <p:sp>
         <p:nvSpPr>
-          <p:cNvPr id="6" name="页脚占位符 5">
-            <a:extLst>
-              <a:ext uri="{FF2B5EF4-FFF2-40B4-BE49-F238E27FC236}">
-                <a16:creationId xmlns:a16="http://schemas.microsoft.com/office/drawing/2014/main" id="{52BB6776-3B56-4DAD-A36F-9D6AFBD69E03}"/>
-              </a:ext>
-            </a:extLst>
-          </p:cNvPr>
+          <p:cNvPr id="6" name="页脚占位符 5"/>
           <p:cNvSpPr>
             <a:spLocks noGrp="1"/>
           </p:cNvSpPr>
@@ -4091,13 +3701,7 @@
       </p:sp>
       <p:sp>
         <p:nvSpPr>
-          <p:cNvPr id="7" name="灯片编号占位符 6">
-            <a:extLst>
-              <a:ext uri="{FF2B5EF4-FFF2-40B4-BE49-F238E27FC236}">
-                <a16:creationId xmlns:a16="http://schemas.microsoft.com/office/drawing/2014/main" id="{6C7A8434-4739-4A91-A288-EE62A7143B0A}"/>
-              </a:ext>
-            </a:extLst>
-          </p:cNvPr>
+          <p:cNvPr id="7" name="灯片编号占位符 6"/>
           <p:cNvSpPr>
             <a:spLocks noGrp="1"/>
           </p:cNvSpPr>
@@ -4120,18 +3724,12 @@
           <a:p>
             <a:fld id="{4CC34563-4A4A-44F2-908C-1BAA27668584}" type="slidenum">
               <a:rPr lang="zh-CN" altLang="en-US" smtClean="0"/>
-              <a:t>‹#›</a:t>
             </a:fld>
             <a:endParaRPr lang="zh-CN" altLang="en-US"/>
           </a:p>
         </p:txBody>
       </p:sp>
     </p:spTree>
-    <p:extLst>
-      <p:ext uri="{BB962C8B-B14F-4D97-AF65-F5344CB8AC3E}">
-        <p14:creationId xmlns:p14="http://schemas.microsoft.com/office/powerpoint/2010/main" val="1042725247"/>
-      </p:ext>
-    </p:extLst>
   </p:cSld>
   <p:clrMapOvr>
     <a:masterClrMapping/>
@@ -4166,20 +3764,14 @@
       </p:grpSpPr>
       <p:pic>
         <p:nvPicPr>
-          <p:cNvPr id="7" name="图片 6">
-            <a:extLst>
-              <a:ext uri="{FF2B5EF4-FFF2-40B4-BE49-F238E27FC236}">
-                <a16:creationId xmlns:a16="http://schemas.microsoft.com/office/drawing/2014/main" id="{1A17E1D1-2F22-4097-AA06-49135994E022}"/>
-              </a:ext>
-            </a:extLst>
-          </p:cNvPr>
+          <p:cNvPr id="7" name="图片 6"/>
           <p:cNvPicPr>
             <a:picLocks noChangeAspect="1"/>
           </p:cNvPicPr>
           <p:nvPr userDrawn="1"/>
         </p:nvPicPr>
         <p:blipFill>
-          <a:blip r:embed="rId13"/>
+          <a:blip r:embed="rId12"/>
           <a:stretch>
             <a:fillRect/>
           </a:stretch>
@@ -4195,11 +3787,6 @@
         </p:spPr>
       </p:pic>
     </p:spTree>
-    <p:extLst>
-      <p:ext uri="{BB962C8B-B14F-4D97-AF65-F5344CB8AC3E}">
-        <p14:creationId xmlns:p14="http://schemas.microsoft.com/office/powerpoint/2010/main" val="831896638"/>
-      </p:ext>
-    </p:extLst>
   </p:cSld>
   <p:clrMap bg1="lt1" tx1="dk1" bg2="lt2" tx2="dk2" accent1="accent1" accent2="accent2" accent3="accent3" accent4="accent4" accent5="accent5" accent6="accent6" hlink="hlink" folHlink="folHlink"/>
   <p:sldLayoutIdLst>
@@ -4517,13 +4104,7 @@
       </p:grpSpPr>
       <p:sp>
         <p:nvSpPr>
-          <p:cNvPr id="2" name="标题 1">
-            <a:extLst>
-              <a:ext uri="{FF2B5EF4-FFF2-40B4-BE49-F238E27FC236}">
-                <a16:creationId xmlns:a16="http://schemas.microsoft.com/office/drawing/2014/main" id="{B38C6AD0-4865-4712-85A2-545795E3AC71}"/>
-              </a:ext>
-            </a:extLst>
-          </p:cNvPr>
+          <p:cNvPr id="2" name="标题 1"/>
           <p:cNvSpPr>
             <a:spLocks noGrp="1"/>
           </p:cNvSpPr>
@@ -4567,18 +4148,17 @@
               </a:rPr>
               <a:t>项目汇报</a:t>
             </a:r>
-          </a:p>
-        </p:txBody>
-      </p:sp>
-      <p:sp>
-        <p:nvSpPr>
-          <p:cNvPr id="3" name="副标题 2">
-            <a:extLst>
-              <a:ext uri="{FF2B5EF4-FFF2-40B4-BE49-F238E27FC236}">
-                <a16:creationId xmlns:a16="http://schemas.microsoft.com/office/drawing/2014/main" id="{E8D195D7-8C3C-4E29-A73A-ACD57F0083E8}"/>
-              </a:ext>
-            </a:extLst>
-          </p:cNvPr>
+            <a:endParaRPr lang="zh-CN" altLang="en-US" dirty="0">
+              <a:solidFill>
+                <a:schemeClr val="bg1"/>
+              </a:solidFill>
+            </a:endParaRPr>
+          </a:p>
+        </p:txBody>
+      </p:sp>
+      <p:sp>
+        <p:nvSpPr>
+          <p:cNvPr id="3" name="副标题 2"/>
           <p:cNvSpPr>
             <a:spLocks noGrp="1"/>
           </p:cNvSpPr>
@@ -4607,6 +4187,11 @@
               </a:rPr>
               <a:t>– 15307130083</a:t>
             </a:r>
+            <a:endParaRPr lang="en-US" altLang="zh-CN" dirty="0">
+              <a:solidFill>
+                <a:schemeClr val="bg1"/>
+              </a:solidFill>
+            </a:endParaRPr>
           </a:p>
           <a:p>
             <a:r>
@@ -4623,7 +4208,7 @@
                   <a:schemeClr val="bg1"/>
                 </a:solidFill>
               </a:rPr>
-              <a:t>- 153071300</a:t>
+              <a:t>- 15307130234</a:t>
             </a:r>
             <a:endParaRPr lang="zh-CN" altLang="en-US" dirty="0">
               <a:solidFill>
@@ -4634,11 +4219,6 @@
         </p:txBody>
       </p:sp>
     </p:spTree>
-    <p:extLst>
-      <p:ext uri="{BB962C8B-B14F-4D97-AF65-F5344CB8AC3E}">
-        <p14:creationId xmlns:p14="http://schemas.microsoft.com/office/powerpoint/2010/main" val="2651558202"/>
-      </p:ext>
-    </p:extLst>
   </p:cSld>
   <p:clrMapOvr>
     <a:masterClrMapping/>
@@ -4665,13 +4245,7 @@
       </p:grpSpPr>
       <p:sp>
         <p:nvSpPr>
-          <p:cNvPr id="2" name="标题 1">
-            <a:extLst>
-              <a:ext uri="{FF2B5EF4-FFF2-40B4-BE49-F238E27FC236}">
-                <a16:creationId xmlns:a16="http://schemas.microsoft.com/office/drawing/2014/main" id="{E6568EC8-5D53-4D15-ADC8-671445913093}"/>
-              </a:ext>
-            </a:extLst>
-          </p:cNvPr>
+          <p:cNvPr id="2" name="标题 1"/>
           <p:cNvSpPr>
             <a:spLocks noGrp="1"/>
           </p:cNvSpPr>
@@ -4710,13 +4284,7 @@
       </p:sp>
       <p:sp>
         <p:nvSpPr>
-          <p:cNvPr id="3" name="内容占位符 2">
-            <a:extLst>
-              <a:ext uri="{FF2B5EF4-FFF2-40B4-BE49-F238E27FC236}">
-                <a16:creationId xmlns:a16="http://schemas.microsoft.com/office/drawing/2014/main" id="{6D2A1000-9C60-46A4-BD06-D120F494878A}"/>
-              </a:ext>
-            </a:extLst>
-          </p:cNvPr>
+          <p:cNvPr id="3" name="内容占位符 2"/>
           <p:cNvSpPr>
             <a:spLocks noGrp="1"/>
           </p:cNvSpPr>
@@ -4734,7 +4302,7 @@
                 <a:solidFill>
                   <a:schemeClr val="bg1"/>
                 </a:solidFill>
-                <a:hlinkClick r:id="rId3"/>
+                <a:hlinkClick r:id="rId1"/>
               </a:rPr>
               <a:t>https://github.com/antlr/grammars-v4</a:t>
             </a:r>
@@ -4762,11 +4330,6 @@
         </p:txBody>
       </p:sp>
     </p:spTree>
-    <p:extLst>
-      <p:ext uri="{BB962C8B-B14F-4D97-AF65-F5344CB8AC3E}">
-        <p14:creationId xmlns:p14="http://schemas.microsoft.com/office/powerpoint/2010/main" val="3150396864"/>
-      </p:ext>
-    </p:extLst>
   </p:cSld>
   <p:clrMapOvr>
     <a:masterClrMapping/>
@@ -4793,13 +4356,7 @@
       </p:grpSpPr>
       <p:sp>
         <p:nvSpPr>
-          <p:cNvPr id="2" name="标题 1">
-            <a:extLst>
-              <a:ext uri="{FF2B5EF4-FFF2-40B4-BE49-F238E27FC236}">
-                <a16:creationId xmlns:a16="http://schemas.microsoft.com/office/drawing/2014/main" id="{7B33DD5E-4CB8-4865-8DA5-E5CE12006C73}"/>
-              </a:ext>
-            </a:extLst>
-          </p:cNvPr>
+          <p:cNvPr id="2" name="标题 1"/>
           <p:cNvSpPr>
             <a:spLocks noGrp="1"/>
           </p:cNvSpPr>
@@ -4846,13 +4403,7 @@
       </p:sp>
       <p:sp>
         <p:nvSpPr>
-          <p:cNvPr id="6" name="内容占位符 5">
-            <a:extLst>
-              <a:ext uri="{FF2B5EF4-FFF2-40B4-BE49-F238E27FC236}">
-                <a16:creationId xmlns:a16="http://schemas.microsoft.com/office/drawing/2014/main" id="{440ABD85-74DC-4B4B-B454-8039E06FEECC}"/>
-              </a:ext>
-            </a:extLst>
-          </p:cNvPr>
+          <p:cNvPr id="6" name="内容占位符 5"/>
           <p:cNvSpPr>
             <a:spLocks noGrp="1"/>
           </p:cNvSpPr>
@@ -4885,6 +4436,7 @@
               <a:rPr lang="en-US" altLang="zh-CN" b="1" dirty="0"/>
               <a:t> -&gt;</a:t>
             </a:r>
+            <a:endParaRPr lang="en-US" altLang="zh-CN" b="1" dirty="0"/>
           </a:p>
           <a:p>
             <a:r>
@@ -4899,6 +4451,7 @@
               <a:rPr lang="en-US" altLang="zh-CN" dirty="0"/>
               <a:t>&lt;INTEGER_LITERAL&gt;</a:t>
             </a:r>
+            <a:endParaRPr lang="en-US" altLang="zh-CN" dirty="0"/>
           </a:p>
           <a:p>
             <a:pPr marL="457200" lvl="1" indent="0">
@@ -4908,6 +4461,7 @@
               <a:rPr lang="en-US" altLang="zh-CN" b="1" dirty="0"/>
               <a:t>      -&gt;</a:t>
             </a:r>
+            <a:endParaRPr lang="en-US" altLang="zh-CN" b="1" dirty="0"/>
           </a:p>
           <a:p>
             <a:endParaRPr lang="en-US" altLang="zh-CN" b="1" dirty="0"/>
@@ -4928,12 +4482,14 @@
               <a:rPr lang="en-US" altLang="zh-CN" dirty="0"/>
               <a:t>&lt;IDENTIFIER&gt;</a:t>
             </a:r>
+            <a:endParaRPr lang="en-US" altLang="zh-CN" dirty="0"/>
           </a:p>
           <a:p>
             <a:r>
               <a:rPr lang="en-US" altLang="zh-CN" dirty="0"/>
               <a:t>      -&gt;</a:t>
             </a:r>
+            <a:endParaRPr lang="en-US" altLang="zh-CN" dirty="0"/>
           </a:p>
           <a:p>
             <a:endParaRPr lang="en-US" altLang="zh-CN" b="1" dirty="0"/>
@@ -4945,13 +4501,55 @@
       </p:sp>
       <p:pic>
         <p:nvPicPr>
-          <p:cNvPr id="7" name="图片 6">
-            <a:extLst>
-              <a:ext uri="{FF2B5EF4-FFF2-40B4-BE49-F238E27FC236}">
-                <a16:creationId xmlns:a16="http://schemas.microsoft.com/office/drawing/2014/main" id="{CD209656-E6E7-4B8C-B65E-316FF3AF82AC}"/>
-              </a:ext>
-            </a:extLst>
-          </p:cNvPr>
+          <p:cNvPr id="7" name="图片 6"/>
+          <p:cNvPicPr>
+            <a:picLocks noChangeAspect="1"/>
+          </p:cNvPicPr>
+          <p:nvPr/>
+        </p:nvPicPr>
+        <p:blipFill>
+          <a:blip r:embed="rId1"/>
+          <a:stretch>
+            <a:fillRect/>
+          </a:stretch>
+        </p:blipFill>
+        <p:spPr>
+          <a:xfrm>
+            <a:off x="6313714" y="1413207"/>
+            <a:ext cx="5878286" cy="3598870"/>
+          </a:xfrm>
+          <a:prstGeom prst="rect">
+            <a:avLst/>
+          </a:prstGeom>
+        </p:spPr>
+      </p:pic>
+      <p:pic>
+        <p:nvPicPr>
+          <p:cNvPr id="8" name="图片 7"/>
+          <p:cNvPicPr>
+            <a:picLocks noChangeAspect="1"/>
+          </p:cNvPicPr>
+          <p:nvPr/>
+        </p:nvPicPr>
+        <p:blipFill>
+          <a:blip r:embed="rId2"/>
+          <a:stretch>
+            <a:fillRect/>
+          </a:stretch>
+        </p:blipFill>
+        <p:spPr>
+          <a:xfrm>
+            <a:off x="2524125" y="2720746"/>
+            <a:ext cx="3456639" cy="615838"/>
+          </a:xfrm>
+          <a:prstGeom prst="rect">
+            <a:avLst/>
+          </a:prstGeom>
+        </p:spPr>
+      </p:pic>
+      <p:pic>
+        <p:nvPicPr>
+          <p:cNvPr id="9" name="图片 8"/>
           <p:cNvPicPr>
             <a:picLocks noChangeAspect="1"/>
           </p:cNvPicPr>
@@ -4965,66 +4563,6 @@
         </p:blipFill>
         <p:spPr>
           <a:xfrm>
-            <a:off x="6313714" y="1413207"/>
-            <a:ext cx="5878286" cy="3598870"/>
-          </a:xfrm>
-          <a:prstGeom prst="rect">
-            <a:avLst/>
-          </a:prstGeom>
-        </p:spPr>
-      </p:pic>
-      <p:pic>
-        <p:nvPicPr>
-          <p:cNvPr id="8" name="图片 7">
-            <a:extLst>
-              <a:ext uri="{FF2B5EF4-FFF2-40B4-BE49-F238E27FC236}">
-                <a16:creationId xmlns:a16="http://schemas.microsoft.com/office/drawing/2014/main" id="{E121031A-EC84-43D6-A478-68DF6B4C1C4F}"/>
-              </a:ext>
-            </a:extLst>
-          </p:cNvPr>
-          <p:cNvPicPr>
-            <a:picLocks noChangeAspect="1"/>
-          </p:cNvPicPr>
-          <p:nvPr/>
-        </p:nvPicPr>
-        <p:blipFill>
-          <a:blip r:embed="rId4"/>
-          <a:stretch>
-            <a:fillRect/>
-          </a:stretch>
-        </p:blipFill>
-        <p:spPr>
-          <a:xfrm>
-            <a:off x="2524125" y="2720746"/>
-            <a:ext cx="3456639" cy="615838"/>
-          </a:xfrm>
-          <a:prstGeom prst="rect">
-            <a:avLst/>
-          </a:prstGeom>
-        </p:spPr>
-      </p:pic>
-      <p:pic>
-        <p:nvPicPr>
-          <p:cNvPr id="9" name="图片 8">
-            <a:extLst>
-              <a:ext uri="{FF2B5EF4-FFF2-40B4-BE49-F238E27FC236}">
-                <a16:creationId xmlns:a16="http://schemas.microsoft.com/office/drawing/2014/main" id="{3A2F2938-F8CD-4043-9D84-4E52E0A86E16}"/>
-              </a:ext>
-            </a:extLst>
-          </p:cNvPr>
-          <p:cNvPicPr>
-            <a:picLocks noChangeAspect="1"/>
-          </p:cNvPicPr>
-          <p:nvPr/>
-        </p:nvPicPr>
-        <p:blipFill>
-          <a:blip r:embed="rId5"/>
-          <a:stretch>
-            <a:fillRect/>
-          </a:stretch>
-        </p:blipFill>
-        <p:spPr>
-          <a:xfrm>
             <a:off x="2175782" y="4885303"/>
             <a:ext cx="6201746" cy="523421"/>
           </a:xfrm>
@@ -5034,11 +4572,6 @@
         </p:spPr>
       </p:pic>
     </p:spTree>
-    <p:extLst>
-      <p:ext uri="{BB962C8B-B14F-4D97-AF65-F5344CB8AC3E}">
-        <p14:creationId xmlns:p14="http://schemas.microsoft.com/office/powerpoint/2010/main" val="3176007635"/>
-      </p:ext>
-    </p:extLst>
   </p:cSld>
   <p:clrMapOvr>
     <a:masterClrMapping/>
@@ -5065,13 +4598,7 @@
       </p:grpSpPr>
       <p:sp>
         <p:nvSpPr>
-          <p:cNvPr id="2" name="标题 1">
-            <a:extLst>
-              <a:ext uri="{FF2B5EF4-FFF2-40B4-BE49-F238E27FC236}">
-                <a16:creationId xmlns:a16="http://schemas.microsoft.com/office/drawing/2014/main" id="{E3477201-2161-424A-BC62-9111FA4FFF84}"/>
-              </a:ext>
-            </a:extLst>
-          </p:cNvPr>
+          <p:cNvPr id="2" name="标题 1"/>
           <p:cNvSpPr>
             <a:spLocks noGrp="1"/>
           </p:cNvSpPr>
@@ -5114,13 +4641,7 @@
       </p:sp>
       <p:sp>
         <p:nvSpPr>
-          <p:cNvPr id="3" name="内容占位符 2">
-            <a:extLst>
-              <a:ext uri="{FF2B5EF4-FFF2-40B4-BE49-F238E27FC236}">
-                <a16:creationId xmlns:a16="http://schemas.microsoft.com/office/drawing/2014/main" id="{B942F656-8E45-425A-8B08-A33406861A8B}"/>
-              </a:ext>
-            </a:extLst>
-          </p:cNvPr>
+          <p:cNvPr id="3" name="内容占位符 2"/>
           <p:cNvSpPr>
             <a:spLocks noGrp="1"/>
           </p:cNvSpPr>
@@ -5137,25 +4658,20 @@
               <a:rPr lang="zh-CN" altLang="en-US" dirty="0"/>
               <a:t>定义每一个符号</a:t>
             </a:r>
+            <a:endParaRPr lang="zh-CN" altLang="en-US" dirty="0"/>
           </a:p>
         </p:txBody>
       </p:sp>
       <p:pic>
         <p:nvPicPr>
-          <p:cNvPr id="4" name="图片 3">
-            <a:extLst>
-              <a:ext uri="{FF2B5EF4-FFF2-40B4-BE49-F238E27FC236}">
-                <a16:creationId xmlns:a16="http://schemas.microsoft.com/office/drawing/2014/main" id="{B92CFAB3-9638-475B-BD42-3DB9DBC9A08B}"/>
-              </a:ext>
-            </a:extLst>
-          </p:cNvPr>
+          <p:cNvPr id="4" name="图片 3"/>
           <p:cNvPicPr>
             <a:picLocks noChangeAspect="1"/>
           </p:cNvPicPr>
           <p:nvPr/>
         </p:nvPicPr>
         <p:blipFill>
-          <a:blip r:embed="rId2"/>
+          <a:blip r:embed="rId1"/>
           <a:stretch>
             <a:fillRect/>
           </a:stretch>
@@ -5171,11 +4687,6 @@
         </p:spPr>
       </p:pic>
     </p:spTree>
-    <p:extLst>
-      <p:ext uri="{BB962C8B-B14F-4D97-AF65-F5344CB8AC3E}">
-        <p14:creationId xmlns:p14="http://schemas.microsoft.com/office/powerpoint/2010/main" val="3392660119"/>
-      </p:ext>
-    </p:extLst>
   </p:cSld>
   <p:clrMapOvr>
     <a:masterClrMapping/>
@@ -5202,13 +4713,7 @@
       </p:grpSpPr>
       <p:sp>
         <p:nvSpPr>
-          <p:cNvPr id="2" name="标题 1">
-            <a:extLst>
-              <a:ext uri="{FF2B5EF4-FFF2-40B4-BE49-F238E27FC236}">
-                <a16:creationId xmlns:a16="http://schemas.microsoft.com/office/drawing/2014/main" id="{DE3CE407-996D-454C-9C13-8B835687BCC4}"/>
-              </a:ext>
-            </a:extLst>
-          </p:cNvPr>
+          <p:cNvPr id="2" name="标题 1"/>
           <p:cNvSpPr>
             <a:spLocks noGrp="1"/>
           </p:cNvSpPr>
@@ -5251,13 +4756,7 @@
       </p:sp>
       <p:sp>
         <p:nvSpPr>
-          <p:cNvPr id="3" name="内容占位符 2">
-            <a:extLst>
-              <a:ext uri="{FF2B5EF4-FFF2-40B4-BE49-F238E27FC236}">
-                <a16:creationId xmlns:a16="http://schemas.microsoft.com/office/drawing/2014/main" id="{47CBC595-E8D7-4153-885A-D898420A8DD3}"/>
-              </a:ext>
-            </a:extLst>
-          </p:cNvPr>
+          <p:cNvPr id="3" name="内容占位符 2"/>
           <p:cNvSpPr>
             <a:spLocks noGrp="1"/>
           </p:cNvSpPr>
@@ -5291,20 +4790,14 @@
       </p:sp>
       <p:pic>
         <p:nvPicPr>
-          <p:cNvPr id="4" name="图片 3">
-            <a:extLst>
-              <a:ext uri="{FF2B5EF4-FFF2-40B4-BE49-F238E27FC236}">
-                <a16:creationId xmlns:a16="http://schemas.microsoft.com/office/drawing/2014/main" id="{F07EF3AB-32C2-4173-9D31-5AE76A0A968E}"/>
-              </a:ext>
-            </a:extLst>
-          </p:cNvPr>
+          <p:cNvPr id="4" name="图片 3"/>
           <p:cNvPicPr>
             <a:picLocks noChangeAspect="1"/>
           </p:cNvPicPr>
           <p:nvPr/>
         </p:nvPicPr>
         <p:blipFill>
-          <a:blip r:embed="rId3"/>
+          <a:blip r:embed="rId1"/>
           <a:stretch>
             <a:fillRect/>
           </a:stretch>
@@ -5319,12 +4812,31 @@
           </a:prstGeom>
         </p:spPr>
       </p:pic>
+      <p:pic>
+        <p:nvPicPr>
+          <p:cNvPr id="5" name="图片 4"/>
+          <p:cNvPicPr>
+            <a:picLocks noChangeAspect="1"/>
+          </p:cNvPicPr>
+          <p:nvPr/>
+        </p:nvPicPr>
+        <p:blipFill>
+          <a:blip r:embed="rId2"/>
+          <a:stretch>
+            <a:fillRect/>
+          </a:stretch>
+        </p:blipFill>
+        <p:spPr>
+          <a:xfrm>
+            <a:off x="5464175" y="1691005"/>
+            <a:ext cx="4418965" cy="1334135"/>
+          </a:xfrm>
+          <a:prstGeom prst="rect">
+            <a:avLst/>
+          </a:prstGeom>
+        </p:spPr>
+      </p:pic>
     </p:spTree>
-    <p:extLst>
-      <p:ext uri="{BB962C8B-B14F-4D97-AF65-F5344CB8AC3E}">
-        <p14:creationId xmlns:p14="http://schemas.microsoft.com/office/powerpoint/2010/main" val="1654059028"/>
-      </p:ext>
-    </p:extLst>
   </p:cSld>
   <p:clrMapOvr>
     <a:masterClrMapping/>
@@ -5351,13 +4863,7 @@
       </p:grpSpPr>
       <p:sp>
         <p:nvSpPr>
-          <p:cNvPr id="2" name="标题 1">
-            <a:extLst>
-              <a:ext uri="{FF2B5EF4-FFF2-40B4-BE49-F238E27FC236}">
-                <a16:creationId xmlns:a16="http://schemas.microsoft.com/office/drawing/2014/main" id="{45ADBC23-BC60-451A-AE5E-BB17D8B25EAC}"/>
-              </a:ext>
-            </a:extLst>
-          </p:cNvPr>
+          <p:cNvPr id="2" name="标题 1"/>
           <p:cNvSpPr>
             <a:spLocks noGrp="1"/>
           </p:cNvSpPr>
@@ -5380,13 +4886,7 @@
       </p:sp>
       <p:pic>
         <p:nvPicPr>
-          <p:cNvPr id="4" name="内容占位符 3">
-            <a:extLst>
-              <a:ext uri="{FF2B5EF4-FFF2-40B4-BE49-F238E27FC236}">
-                <a16:creationId xmlns:a16="http://schemas.microsoft.com/office/drawing/2014/main" id="{9AE8DE5D-4EA8-4629-B9C0-B2C170F5B653}"/>
-              </a:ext>
-            </a:extLst>
-          </p:cNvPr>
+          <p:cNvPr id="4" name="内容占位符 3"/>
           <p:cNvPicPr>
             <a:picLocks noGrp="1" noChangeAspect="1"/>
           </p:cNvPicPr>
@@ -5395,7 +4895,7 @@
           </p:nvPr>
         </p:nvPicPr>
         <p:blipFill>
-          <a:blip r:embed="rId3"/>
+          <a:blip r:embed="rId1"/>
           <a:stretch>
             <a:fillRect/>
           </a:stretch>
@@ -5412,13 +4912,7 @@
       </p:pic>
       <p:sp>
         <p:nvSpPr>
-          <p:cNvPr id="5" name="矩形 4">
-            <a:extLst>
-              <a:ext uri="{FF2B5EF4-FFF2-40B4-BE49-F238E27FC236}">
-                <a16:creationId xmlns:a16="http://schemas.microsoft.com/office/drawing/2014/main" id="{5EABA0B1-4869-4205-AD24-39A2100CA616}"/>
-              </a:ext>
-            </a:extLst>
-          </p:cNvPr>
+          <p:cNvPr id="5" name="矩形 4"/>
           <p:cNvSpPr/>
           <p:nvPr/>
         </p:nvSpPr>
@@ -5460,20 +4954,14 @@
       </p:sp>
       <p:pic>
         <p:nvPicPr>
-          <p:cNvPr id="6" name="图片 5">
-            <a:extLst>
-              <a:ext uri="{FF2B5EF4-FFF2-40B4-BE49-F238E27FC236}">
-                <a16:creationId xmlns:a16="http://schemas.microsoft.com/office/drawing/2014/main" id="{5EF86E9E-4F6E-4582-B36F-A8DC20A75198}"/>
-              </a:ext>
-            </a:extLst>
-          </p:cNvPr>
+          <p:cNvPr id="6" name="图片 5"/>
           <p:cNvPicPr>
             <a:picLocks noChangeAspect="1"/>
           </p:cNvPicPr>
           <p:nvPr/>
         </p:nvPicPr>
         <p:blipFill>
-          <a:blip r:embed="rId4"/>
+          <a:blip r:embed="rId2"/>
           <a:stretch>
             <a:fillRect/>
           </a:stretch>
@@ -5490,16 +4978,8 @@
       </p:pic>
       <p:sp>
         <p:nvSpPr>
-          <p:cNvPr id="8" name="内容占位符 2">
-            <a:extLst>
-              <a:ext uri="{FF2B5EF4-FFF2-40B4-BE49-F238E27FC236}">
-                <a16:creationId xmlns:a16="http://schemas.microsoft.com/office/drawing/2014/main" id="{2FD7C61D-EDD6-4A7A-A4CF-1F4EA385CD22}"/>
-              </a:ext>
-            </a:extLst>
-          </p:cNvPr>
-          <p:cNvSpPr txBox="1">
-            <a:spLocks/>
-          </p:cNvSpPr>
+          <p:cNvPr id="8" name="内容占位符 2"/>
+          <p:cNvSpPr txBox="1"/>
           <p:nvPr/>
         </p:nvSpPr>
         <p:spPr>
@@ -5724,25 +5204,20 @@
               <a:rPr lang="zh-CN" altLang="en-US" dirty="0"/>
               <a:t>生成抽象语法树</a:t>
             </a:r>
+            <a:endParaRPr lang="zh-CN" altLang="en-US" dirty="0"/>
           </a:p>
         </p:txBody>
       </p:sp>
       <p:pic>
         <p:nvPicPr>
-          <p:cNvPr id="9" name="图片 8">
-            <a:extLst>
-              <a:ext uri="{FF2B5EF4-FFF2-40B4-BE49-F238E27FC236}">
-                <a16:creationId xmlns:a16="http://schemas.microsoft.com/office/drawing/2014/main" id="{02143A8B-6F85-4B04-A145-2A56BB4A90DF}"/>
-              </a:ext>
-            </a:extLst>
-          </p:cNvPr>
+          <p:cNvPr id="9" name="图片 8"/>
           <p:cNvPicPr>
             <a:picLocks noChangeAspect="1"/>
           </p:cNvPicPr>
           <p:nvPr/>
         </p:nvPicPr>
         <p:blipFill>
-          <a:blip r:embed="rId5"/>
+          <a:blip r:embed="rId3"/>
           <a:stretch>
             <a:fillRect/>
           </a:stretch>
@@ -5758,11 +5233,6 @@
         </p:spPr>
       </p:pic>
     </p:spTree>
-    <p:extLst>
-      <p:ext uri="{BB962C8B-B14F-4D97-AF65-F5344CB8AC3E}">
-        <p14:creationId xmlns:p14="http://schemas.microsoft.com/office/powerpoint/2010/main" val="2194682458"/>
-      </p:ext>
-    </p:extLst>
   </p:cSld>
   <p:clrMapOvr>
     <a:masterClrMapping/>
@@ -5789,13 +5259,7 @@
       </p:grpSpPr>
       <p:sp>
         <p:nvSpPr>
-          <p:cNvPr id="2" name="标题 1">
-            <a:extLst>
-              <a:ext uri="{FF2B5EF4-FFF2-40B4-BE49-F238E27FC236}">
-                <a16:creationId xmlns:a16="http://schemas.microsoft.com/office/drawing/2014/main" id="{DD0189FA-840E-42E5-B5B7-6986D4C2BB2D}"/>
-              </a:ext>
-            </a:extLst>
-          </p:cNvPr>
+          <p:cNvPr id="2" name="标题 1"/>
           <p:cNvSpPr>
             <a:spLocks noGrp="1"/>
           </p:cNvSpPr>
@@ -5812,18 +5276,13 @@
               <a:rPr lang="zh-CN" altLang="en-US" dirty="0"/>
               <a:t>抽象语法树</a:t>
             </a:r>
-          </a:p>
-        </p:txBody>
-      </p:sp>
-      <p:sp>
-        <p:nvSpPr>
-          <p:cNvPr id="3" name="内容占位符 2">
-            <a:extLst>
-              <a:ext uri="{FF2B5EF4-FFF2-40B4-BE49-F238E27FC236}">
-                <a16:creationId xmlns:a16="http://schemas.microsoft.com/office/drawing/2014/main" id="{661349A3-ACDA-47F9-A290-332CCED452E8}"/>
-              </a:ext>
-            </a:extLst>
-          </p:cNvPr>
+            <a:endParaRPr lang="zh-CN" altLang="en-US" dirty="0"/>
+          </a:p>
+        </p:txBody>
+      </p:sp>
+      <p:sp>
+        <p:nvSpPr>
+          <p:cNvPr id="3" name="内容占位符 2"/>
           <p:cNvSpPr>
             <a:spLocks noGrp="1"/>
           </p:cNvSpPr>
@@ -5857,6 +5316,7 @@
               <a:rPr lang="en-US" altLang="zh-CN" dirty="0"/>
               <a:t>;</a:t>
             </a:r>
+            <a:endParaRPr lang="en-US" altLang="zh-CN" dirty="0"/>
           </a:p>
           <a:p>
             <a:r>
@@ -5897,20 +5357,14 @@
       </p:sp>
       <p:pic>
         <p:nvPicPr>
-          <p:cNvPr id="4" name="图片 3">
-            <a:extLst>
-              <a:ext uri="{FF2B5EF4-FFF2-40B4-BE49-F238E27FC236}">
-                <a16:creationId xmlns:a16="http://schemas.microsoft.com/office/drawing/2014/main" id="{EA407DDF-8F4C-4327-B721-BA991F46CF2A}"/>
-              </a:ext>
-            </a:extLst>
-          </p:cNvPr>
+          <p:cNvPr id="4" name="图片 3"/>
           <p:cNvPicPr>
             <a:picLocks noChangeAspect="1"/>
           </p:cNvPicPr>
           <p:nvPr/>
         </p:nvPicPr>
         <p:blipFill>
-          <a:blip r:embed="rId2"/>
+          <a:blip r:embed="rId1"/>
           <a:stretch>
             <a:fillRect/>
           </a:stretch>
@@ -5926,11 +5380,6 @@
         </p:spPr>
       </p:pic>
     </p:spTree>
-    <p:extLst>
-      <p:ext uri="{BB962C8B-B14F-4D97-AF65-F5344CB8AC3E}">
-        <p14:creationId xmlns:p14="http://schemas.microsoft.com/office/powerpoint/2010/main" val="3455270843"/>
-      </p:ext>
-    </p:extLst>
   </p:cSld>
   <p:clrMapOvr>
     <a:masterClrMapping/>
@@ -5957,13 +5406,7 @@
       </p:grpSpPr>
       <p:sp>
         <p:nvSpPr>
-          <p:cNvPr id="2" name="标题 1">
-            <a:extLst>
-              <a:ext uri="{FF2B5EF4-FFF2-40B4-BE49-F238E27FC236}">
-                <a16:creationId xmlns:a16="http://schemas.microsoft.com/office/drawing/2014/main" id="{6ABB2CDC-2D7E-4FDC-B63A-DBA42CD13699}"/>
-              </a:ext>
-            </a:extLst>
-          </p:cNvPr>
+          <p:cNvPr id="2" name="标题 1"/>
           <p:cNvSpPr>
             <a:spLocks noGrp="1"/>
           </p:cNvSpPr>
@@ -5990,13 +5433,7 @@
       </p:sp>
       <p:sp>
         <p:nvSpPr>
-          <p:cNvPr id="3" name="内容占位符 2">
-            <a:extLst>
-              <a:ext uri="{FF2B5EF4-FFF2-40B4-BE49-F238E27FC236}">
-                <a16:creationId xmlns:a16="http://schemas.microsoft.com/office/drawing/2014/main" id="{1EC7E66F-1380-499C-9B38-57B83132F4F6}"/>
-              </a:ext>
-            </a:extLst>
-          </p:cNvPr>
+          <p:cNvPr id="3" name="内容占位符 2"/>
           <p:cNvSpPr>
             <a:spLocks noGrp="1"/>
           </p:cNvSpPr>
@@ -6021,6 +5458,7 @@
               <a:rPr lang="en-US" altLang="zh-CN" dirty="0"/>
               <a:t>:</a:t>
             </a:r>
+            <a:endParaRPr lang="en-US" altLang="zh-CN" dirty="0"/>
           </a:p>
           <a:p>
             <a:endParaRPr lang="en-US" altLang="zh-CN" dirty="0"/>
@@ -6047,13 +5485,31 @@
       </p:sp>
       <p:pic>
         <p:nvPicPr>
-          <p:cNvPr id="4" name="图片 3">
-            <a:extLst>
-              <a:ext uri="{FF2B5EF4-FFF2-40B4-BE49-F238E27FC236}">
-                <a16:creationId xmlns:a16="http://schemas.microsoft.com/office/drawing/2014/main" id="{76989576-0B4A-4508-8460-E221FCC5519D}"/>
-              </a:ext>
-            </a:extLst>
-          </p:cNvPr>
+          <p:cNvPr id="4" name="图片 3"/>
+          <p:cNvPicPr>
+            <a:picLocks noChangeAspect="1"/>
+          </p:cNvPicPr>
+          <p:nvPr/>
+        </p:nvPicPr>
+        <p:blipFill>
+          <a:blip r:embed="rId1"/>
+          <a:stretch>
+            <a:fillRect/>
+          </a:stretch>
+        </p:blipFill>
+        <p:spPr>
+          <a:xfrm>
+            <a:off x="4044722" y="2065110"/>
+            <a:ext cx="5380326" cy="409575"/>
+          </a:xfrm>
+          <a:prstGeom prst="rect">
+            <a:avLst/>
+          </a:prstGeom>
+        </p:spPr>
+      </p:pic>
+      <p:pic>
+        <p:nvPicPr>
+          <p:cNvPr id="5" name="图片 4"/>
           <p:cNvPicPr>
             <a:picLocks noChangeAspect="1"/>
           </p:cNvPicPr>
@@ -6067,8 +5523,8 @@
         </p:blipFill>
         <p:spPr>
           <a:xfrm>
-            <a:off x="4044722" y="2065110"/>
-            <a:ext cx="5380326" cy="409575"/>
+            <a:off x="3952726" y="1453468"/>
+            <a:ext cx="4286548" cy="491899"/>
           </a:xfrm>
           <a:prstGeom prst="rect">
             <a:avLst/>
@@ -6077,13 +5533,7 @@
       </p:pic>
       <p:pic>
         <p:nvPicPr>
-          <p:cNvPr id="5" name="图片 4">
-            <a:extLst>
-              <a:ext uri="{FF2B5EF4-FFF2-40B4-BE49-F238E27FC236}">
-                <a16:creationId xmlns:a16="http://schemas.microsoft.com/office/drawing/2014/main" id="{7E8A4B00-40AD-4349-A5EE-516A93ABC1D8}"/>
-              </a:ext>
-            </a:extLst>
-          </p:cNvPr>
+          <p:cNvPr id="6" name="图片 5"/>
           <p:cNvPicPr>
             <a:picLocks noChangeAspect="1"/>
           </p:cNvPicPr>
@@ -6097,8 +5547,8 @@
         </p:blipFill>
         <p:spPr>
           <a:xfrm>
-            <a:off x="3952726" y="1453468"/>
-            <a:ext cx="4286548" cy="491899"/>
+            <a:off x="4044722" y="3810123"/>
+            <a:ext cx="5571669" cy="294594"/>
           </a:xfrm>
           <a:prstGeom prst="rect">
             <a:avLst/>
@@ -6107,13 +5557,7 @@
       </p:pic>
       <p:pic>
         <p:nvPicPr>
-          <p:cNvPr id="6" name="图片 5">
-            <a:extLst>
-              <a:ext uri="{FF2B5EF4-FFF2-40B4-BE49-F238E27FC236}">
-                <a16:creationId xmlns:a16="http://schemas.microsoft.com/office/drawing/2014/main" id="{3F3313C8-3592-4A5E-8E65-FC052B52F394}"/>
-              </a:ext>
-            </a:extLst>
-          </p:cNvPr>
+          <p:cNvPr id="7" name="图片 6"/>
           <p:cNvPicPr>
             <a:picLocks noChangeAspect="1"/>
           </p:cNvPicPr>
@@ -6127,36 +5571,6 @@
         </p:blipFill>
         <p:spPr>
           <a:xfrm>
-            <a:off x="4044722" y="3810123"/>
-            <a:ext cx="5571669" cy="294594"/>
-          </a:xfrm>
-          <a:prstGeom prst="rect">
-            <a:avLst/>
-          </a:prstGeom>
-        </p:spPr>
-      </p:pic>
-      <p:pic>
-        <p:nvPicPr>
-          <p:cNvPr id="7" name="图片 6">
-            <a:extLst>
-              <a:ext uri="{FF2B5EF4-FFF2-40B4-BE49-F238E27FC236}">
-                <a16:creationId xmlns:a16="http://schemas.microsoft.com/office/drawing/2014/main" id="{8CBB4222-0176-4527-99D4-1252C55F3384}"/>
-              </a:ext>
-            </a:extLst>
-          </p:cNvPr>
-          <p:cNvPicPr>
-            <a:picLocks noChangeAspect="1"/>
-          </p:cNvPicPr>
-          <p:nvPr/>
-        </p:nvPicPr>
-        <p:blipFill>
-          <a:blip r:embed="rId5"/>
-          <a:stretch>
-            <a:fillRect/>
-          </a:stretch>
-        </p:blipFill>
-        <p:spPr>
-          <a:xfrm>
             <a:off x="3832984" y="2962964"/>
             <a:ext cx="4290854" cy="635682"/>
           </a:xfrm>
@@ -6166,11 +5580,6 @@
         </p:spPr>
       </p:pic>
     </p:spTree>
-    <p:extLst>
-      <p:ext uri="{BB962C8B-B14F-4D97-AF65-F5344CB8AC3E}">
-        <p14:creationId xmlns:p14="http://schemas.microsoft.com/office/powerpoint/2010/main" val="2580465202"/>
-      </p:ext>
-    </p:extLst>
   </p:cSld>
   <p:clrMapOvr>
     <a:masterClrMapping/>
@@ -6197,13 +5606,7 @@
       </p:grpSpPr>
       <p:sp>
         <p:nvSpPr>
-          <p:cNvPr id="2" name="标题 1">
-            <a:extLst>
-              <a:ext uri="{FF2B5EF4-FFF2-40B4-BE49-F238E27FC236}">
-                <a16:creationId xmlns:a16="http://schemas.microsoft.com/office/drawing/2014/main" id="{82A825B6-9960-4AE7-B41F-F7D4BDB690C1}"/>
-              </a:ext>
-            </a:extLst>
-          </p:cNvPr>
+          <p:cNvPr id="2" name="标题 1"/>
           <p:cNvSpPr>
             <a:spLocks noGrp="1"/>
           </p:cNvSpPr>
@@ -6243,18 +5646,13 @@
               <a:rPr lang="zh-CN" altLang="en-US" dirty="0"/>
               <a:t>用</a:t>
             </a:r>
-          </a:p>
-        </p:txBody>
-      </p:sp>
-      <p:sp>
-        <p:nvSpPr>
-          <p:cNvPr id="3" name="内容占位符 2">
-            <a:extLst>
-              <a:ext uri="{FF2B5EF4-FFF2-40B4-BE49-F238E27FC236}">
-                <a16:creationId xmlns:a16="http://schemas.microsoft.com/office/drawing/2014/main" id="{AA4E5810-C572-49A8-AD9F-2834BA0786B8}"/>
-              </a:ext>
-            </a:extLst>
-          </p:cNvPr>
+            <a:endParaRPr lang="zh-CN" altLang="en-US" dirty="0"/>
+          </a:p>
+        </p:txBody>
+      </p:sp>
+      <p:sp>
+        <p:nvSpPr>
+          <p:cNvPr id="3" name="内容占位符 2"/>
           <p:cNvSpPr>
             <a:spLocks noGrp="1"/>
           </p:cNvSpPr>
@@ -6293,6 +5691,7 @@
               <a:rPr lang="en-US" altLang="zh-CN" dirty="0"/>
               <a:t>: </a:t>
             </a:r>
+            <a:endParaRPr lang="en-US" altLang="zh-CN" dirty="0"/>
           </a:p>
           <a:p>
             <a:r>
@@ -6327,6 +5726,7 @@
               <a:rPr lang="en-US" altLang="zh-CN" dirty="0"/>
               <a:t>. </a:t>
             </a:r>
+            <a:endParaRPr lang="en-US" altLang="zh-CN" dirty="0"/>
           </a:p>
           <a:p>
             <a:r>
@@ -6349,6 +5749,7 @@
               <a:rPr lang="en-US" altLang="zh-CN" b="1" dirty="0"/>
               <a:t> Programs</a:t>
             </a:r>
+            <a:endParaRPr lang="en-US" altLang="zh-CN" b="1" dirty="0"/>
           </a:p>
           <a:p>
             <a:r>
@@ -6372,13 +5773,31 @@
       </p:sp>
       <p:pic>
         <p:nvPicPr>
-          <p:cNvPr id="4" name="图片 3">
-            <a:extLst>
-              <a:ext uri="{FF2B5EF4-FFF2-40B4-BE49-F238E27FC236}">
-                <a16:creationId xmlns:a16="http://schemas.microsoft.com/office/drawing/2014/main" id="{CFBF15D1-1873-4075-9356-E910F7A8F445}"/>
-              </a:ext>
-            </a:extLst>
-          </p:cNvPr>
+          <p:cNvPr id="4" name="图片 3"/>
+          <p:cNvPicPr>
+            <a:picLocks noChangeAspect="1"/>
+          </p:cNvPicPr>
+          <p:nvPr/>
+        </p:nvPicPr>
+        <p:blipFill>
+          <a:blip r:embed="rId1"/>
+          <a:stretch>
+            <a:fillRect/>
+          </a:stretch>
+        </p:blipFill>
+        <p:spPr>
+          <a:xfrm>
+            <a:off x="312964" y="2425472"/>
+            <a:ext cx="11740494" cy="470128"/>
+          </a:xfrm>
+          <a:prstGeom prst="rect">
+            <a:avLst/>
+          </a:prstGeom>
+        </p:spPr>
+      </p:pic>
+      <p:pic>
+        <p:nvPicPr>
+          <p:cNvPr id="5" name="图片 4"/>
           <p:cNvPicPr>
             <a:picLocks noChangeAspect="1"/>
           </p:cNvPicPr>
@@ -6392,36 +5811,6 @@
         </p:blipFill>
         <p:spPr>
           <a:xfrm>
-            <a:off x="312964" y="2425472"/>
-            <a:ext cx="11740494" cy="470128"/>
-          </a:xfrm>
-          <a:prstGeom prst="rect">
-            <a:avLst/>
-          </a:prstGeom>
-        </p:spPr>
-      </p:pic>
-      <p:pic>
-        <p:nvPicPr>
-          <p:cNvPr id="5" name="图片 4">
-            <a:extLst>
-              <a:ext uri="{FF2B5EF4-FFF2-40B4-BE49-F238E27FC236}">
-                <a16:creationId xmlns:a16="http://schemas.microsoft.com/office/drawing/2014/main" id="{BAF85A7B-8720-49A9-BE14-ADB0B8274464}"/>
-              </a:ext>
-            </a:extLst>
-          </p:cNvPr>
-          <p:cNvPicPr>
-            <a:picLocks noChangeAspect="1"/>
-          </p:cNvPicPr>
-          <p:nvPr/>
-        </p:nvPicPr>
-        <p:blipFill>
-          <a:blip r:embed="rId3"/>
-          <a:stretch>
-            <a:fillRect/>
-          </a:stretch>
-        </p:blipFill>
-        <p:spPr>
-          <a:xfrm>
             <a:off x="8096930" y="3962401"/>
             <a:ext cx="2538413" cy="2107652"/>
           </a:xfrm>
@@ -6431,11 +5820,6 @@
         </p:spPr>
       </p:pic>
     </p:spTree>
-    <p:extLst>
-      <p:ext uri="{BB962C8B-B14F-4D97-AF65-F5344CB8AC3E}">
-        <p14:creationId xmlns:p14="http://schemas.microsoft.com/office/powerpoint/2010/main" val="4271926426"/>
-      </p:ext>
-    </p:extLst>
   </p:cSld>
   <p:clrMapOvr>
     <a:masterClrMapping/>
@@ -6486,7 +5870,7 @@
     </a:clrScheme>
     <a:fontScheme name="Office">
       <a:majorFont>
-        <a:latin typeface="等线 Light" panose="020F0302020204030204"/>
+        <a:latin typeface="等线 Light"/>
         <a:ea typeface=""/>
         <a:cs typeface=""/>
         <a:font script="Jpan" typeface="游ゴシック Light"/>
@@ -6519,26 +5903,9 @@
         <a:font script="Viet" typeface="Times New Roman"/>
         <a:font script="Uigh" typeface="Microsoft Uighur"/>
         <a:font script="Geor" typeface="Sylfaen"/>
-        <a:font script="Armn" typeface="Arial"/>
-        <a:font script="Bugi" typeface="Leelawadee UI"/>
-        <a:font script="Bopo" typeface="Microsoft JhengHei"/>
-        <a:font script="Java" typeface="Javanese Text"/>
-        <a:font script="Lisu" typeface="Segoe UI"/>
-        <a:font script="Mymr" typeface="Myanmar Text"/>
-        <a:font script="Nkoo" typeface="Ebrima"/>
-        <a:font script="Olck" typeface="Nirmala UI"/>
-        <a:font script="Osma" typeface="Ebrima"/>
-        <a:font script="Phag" typeface="Phagspa"/>
-        <a:font script="Syrn" typeface="Estrangelo Edessa"/>
-        <a:font script="Syrj" typeface="Estrangelo Edessa"/>
-        <a:font script="Syre" typeface="Estrangelo Edessa"/>
-        <a:font script="Sora" typeface="Nirmala UI"/>
-        <a:font script="Tale" typeface="Microsoft Tai Le"/>
-        <a:font script="Talu" typeface="Microsoft New Tai Lue"/>
-        <a:font script="Tfng" typeface="Ebrima"/>
       </a:majorFont>
       <a:minorFont>
-        <a:latin typeface="等线" panose="020F0502020204030204"/>
+        <a:latin typeface="等线"/>
         <a:ea typeface=""/>
         <a:cs typeface=""/>
         <a:font script="Jpan" typeface="游ゴシック"/>
@@ -6571,23 +5938,6 @@
         <a:font script="Viet" typeface="Arial"/>
         <a:font script="Uigh" typeface="Microsoft Uighur"/>
         <a:font script="Geor" typeface="Sylfaen"/>
-        <a:font script="Armn" typeface="Arial"/>
-        <a:font script="Bugi" typeface="Leelawadee UI"/>
-        <a:font script="Bopo" typeface="Microsoft JhengHei"/>
-        <a:font script="Java" typeface="Javanese Text"/>
-        <a:font script="Lisu" typeface="Segoe UI"/>
-        <a:font script="Mymr" typeface="Myanmar Text"/>
-        <a:font script="Nkoo" typeface="Ebrima"/>
-        <a:font script="Olck" typeface="Nirmala UI"/>
-        <a:font script="Osma" typeface="Ebrima"/>
-        <a:font script="Phag" typeface="Phagspa"/>
-        <a:font script="Syrn" typeface="Estrangelo Edessa"/>
-        <a:font script="Syrj" typeface="Estrangelo Edessa"/>
-        <a:font script="Syre" typeface="Estrangelo Edessa"/>
-        <a:font script="Sora" typeface="Nirmala UI"/>
-        <a:font script="Tale" typeface="Microsoft Tai Le"/>
-        <a:font script="Talu" typeface="Microsoft New Tai Lue"/>
-        <a:font script="Tfng" typeface="Ebrima"/>
       </a:minorFont>
     </a:fontScheme>
     <a:fmtScheme name="Office">
@@ -6728,8 +6078,6 @@
       </a:bgFillStyleLst>
     </a:fmtScheme>
   </a:themeElements>
-  <a:objectDefaults/>
-  <a:extraClrSchemeLst/>
   <a:extLst>
     <a:ext uri="{05A4C25C-085E-4340-85A3-A5531E510DB2}">
       <thm15:themeFamily xmlns:thm15="http://schemas.microsoft.com/office/thememl/2012/main" name="Office Theme" id="{62F939B6-93AF-4DB8-9C6B-D6C7DFDC589F}" vid="{4A3C46E8-61CC-4603-A589-7422A47A8E4A}"/>
@@ -6781,7 +6129,7 @@
     </a:clrScheme>
     <a:fontScheme name="Office">
       <a:majorFont>
-        <a:latin typeface="等线 Light" panose="020F0302020204030204"/>
+        <a:latin typeface="等线 Light"/>
         <a:ea typeface=""/>
         <a:cs typeface=""/>
         <a:font script="Jpan" typeface="游ゴシック Light"/>
@@ -6814,26 +6162,9 @@
         <a:font script="Viet" typeface="Times New Roman"/>
         <a:font script="Uigh" typeface="Microsoft Uighur"/>
         <a:font script="Geor" typeface="Sylfaen"/>
-        <a:font script="Armn" typeface="Arial"/>
-        <a:font script="Bugi" typeface="Leelawadee UI"/>
-        <a:font script="Bopo" typeface="Microsoft JhengHei"/>
-        <a:font script="Java" typeface="Javanese Text"/>
-        <a:font script="Lisu" typeface="Segoe UI"/>
-        <a:font script="Mymr" typeface="Myanmar Text"/>
-        <a:font script="Nkoo" typeface="Ebrima"/>
-        <a:font script="Olck" typeface="Nirmala UI"/>
-        <a:font script="Osma" typeface="Ebrima"/>
-        <a:font script="Phag" typeface="Phagspa"/>
-        <a:font script="Syrn" typeface="Estrangelo Edessa"/>
-        <a:font script="Syrj" typeface="Estrangelo Edessa"/>
-        <a:font script="Syre" typeface="Estrangelo Edessa"/>
-        <a:font script="Sora" typeface="Nirmala UI"/>
-        <a:font script="Tale" typeface="Microsoft Tai Le"/>
-        <a:font script="Talu" typeface="Microsoft New Tai Lue"/>
-        <a:font script="Tfng" typeface="Ebrima"/>
       </a:majorFont>
       <a:minorFont>
-        <a:latin typeface="等线" panose="020F0502020204030204"/>
+        <a:latin typeface="等线"/>
         <a:ea typeface=""/>
         <a:cs typeface=""/>
         <a:font script="Jpan" typeface="游ゴシック"/>
@@ -6866,23 +6197,6 @@
         <a:font script="Viet" typeface="Arial"/>
         <a:font script="Uigh" typeface="Microsoft Uighur"/>
         <a:font script="Geor" typeface="Sylfaen"/>
-        <a:font script="Armn" typeface="Arial"/>
-        <a:font script="Bugi" typeface="Leelawadee UI"/>
-        <a:font script="Bopo" typeface="Microsoft JhengHei"/>
-        <a:font script="Java" typeface="Javanese Text"/>
-        <a:font script="Lisu" typeface="Segoe UI"/>
-        <a:font script="Mymr" typeface="Myanmar Text"/>
-        <a:font script="Nkoo" typeface="Ebrima"/>
-        <a:font script="Olck" typeface="Nirmala UI"/>
-        <a:font script="Osma" typeface="Ebrima"/>
-        <a:font script="Phag" typeface="Phagspa"/>
-        <a:font script="Syrn" typeface="Estrangelo Edessa"/>
-        <a:font script="Syrj" typeface="Estrangelo Edessa"/>
-        <a:font script="Syre" typeface="Estrangelo Edessa"/>
-        <a:font script="Sora" typeface="Nirmala UI"/>
-        <a:font script="Tale" typeface="Microsoft Tai Le"/>
-        <a:font script="Talu" typeface="Microsoft New Tai Lue"/>
-        <a:font script="Tfng" typeface="Ebrima"/>
       </a:minorFont>
     </a:fontScheme>
     <a:fmtScheme name="Office">
@@ -7023,8 +6337,6 @@
       </a:bgFillStyleLst>
     </a:fmtScheme>
   </a:themeElements>
-  <a:objectDefaults/>
-  <a:extraClrSchemeLst/>
   <a:extLst>
     <a:ext uri="{05A4C25C-085E-4340-85A3-A5531E510DB2}">
       <thm15:themeFamily xmlns:thm15="http://schemas.microsoft.com/office/thememl/2012/main" name="Office Theme" id="{62F939B6-93AF-4DB8-9C6B-D6C7DFDC589F}" vid="{4A3C46E8-61CC-4603-A589-7422A47A8E4A}"/>
